--- a/Documents/Figs.pptx
+++ b/Documents/Figs.pptx
@@ -3181,7 +3181,7 @@
         </p:nvSpPr>
         <p:spPr>
           <a:xfrm flipH="1">
-            <a:off x="5217213" y="1634591"/>
+            <a:off x="5233135" y="1643675"/>
             <a:ext cx="2172959" cy="2290047"/>
           </a:xfrm>
           <a:prstGeom prst="round1Rect">
@@ -3206,13 +3206,20 @@
           <a:bodyPr rtlCol="0" anchor="ctr"/>
           <a:lstStyle/>
           <a:p>
+            <a:endParaRPr lang="en-US" dirty="0" smtClean="0">
+              <a:solidFill>
+                <a:srgbClr val="00B0F0"/>
+              </a:solidFill>
+            </a:endParaRPr>
+          </a:p>
+          <a:p>
             <a:r>
               <a:rPr lang="en-US" dirty="0" smtClean="0">
                 <a:solidFill>
                   <a:srgbClr val="00B0F0"/>
                 </a:solidFill>
               </a:rPr>
-              <a:t>Deployer.exe</a:t>
+              <a:t>Upgrader.exe</a:t>
             </a:r>
             <a:br>
               <a:rPr lang="en-US" dirty="0" smtClean="0">
@@ -3227,17 +3234,17 @@
                   <a:srgbClr val="00B0F0"/>
                 </a:solidFill>
               </a:rPr>
-              <a:t>Deployer.Lib.dll</a:t>
-            </a:r>
-          </a:p>
-          <a:p>
-            <a:r>
-              <a:rPr lang="en-US" dirty="0" smtClean="0">
+              <a:t>Upgrader.Lib.dll</a:t>
+            </a:r>
+          </a:p>
+          <a:p>
+            <a:r>
+              <a:rPr lang="en-US" dirty="0" err="1" smtClean="0">
                 <a:solidFill>
                   <a:srgbClr val="00B0F0"/>
                 </a:solidFill>
               </a:rPr>
-              <a:t>Deployer.exe.config</a:t>
+              <a:t>Upgrader.exe.config</a:t>
             </a:r>
             <a:r>
               <a:rPr lang="en-US" dirty="0" smtClean="0"/>
@@ -3255,6 +3262,12 @@
             <a:r>
               <a:rPr lang="en-US" dirty="0" smtClean="0"/>
               <a:t>MyApp.dll</a:t>
+            </a:r>
+          </a:p>
+          <a:p>
+            <a:r>
+              <a:rPr lang="en-US" dirty="0" smtClean="0"/>
+              <a:t>…</a:t>
             </a:r>
           </a:p>
           <a:p>
@@ -3289,6 +3302,822 @@
               <a:t>C:\Program Files\MyApp</a:t>
             </a:r>
             <a:endParaRPr lang="en-US" dirty="0"/>
+          </a:p>
+        </p:txBody>
+      </p:sp>
+      <p:grpSp>
+        <p:nvGrpSpPr>
+          <p:cNvPr id="13" name="Group 12"/>
+          <p:cNvGrpSpPr/>
+          <p:nvPr/>
+        </p:nvGrpSpPr>
+        <p:grpSpPr>
+          <a:xfrm>
+            <a:off x="5306639" y="527548"/>
+            <a:ext cx="347297" cy="290386"/>
+            <a:chOff x="4022402" y="340793"/>
+            <a:chExt cx="550326" cy="489104"/>
+          </a:xfrm>
+        </p:grpSpPr>
+        <p:sp>
+          <p:nvSpPr>
+            <p:cNvPr id="12" name="Rectangle 11"/>
+            <p:cNvSpPr/>
+            <p:nvPr/>
+          </p:nvSpPr>
+          <p:spPr>
+            <a:xfrm>
+              <a:off x="4167993" y="340793"/>
+              <a:ext cx="404735" cy="389745"/>
+            </a:xfrm>
+            <a:prstGeom prst="rect">
+              <a:avLst/>
+            </a:prstGeom>
+          </p:spPr>
+          <p:style>
+            <a:lnRef idx="2">
+              <a:schemeClr val="accent6"/>
+            </a:lnRef>
+            <a:fillRef idx="1">
+              <a:schemeClr val="lt1"/>
+            </a:fillRef>
+            <a:effectRef idx="0">
+              <a:schemeClr val="accent6"/>
+            </a:effectRef>
+            <a:fontRef idx="minor">
+              <a:schemeClr val="dk1"/>
+            </a:fontRef>
+          </p:style>
+          <p:txBody>
+            <a:bodyPr rtlCol="0" anchor="ctr"/>
+            <a:lstStyle/>
+            <a:p>
+              <a:pPr algn="ctr"/>
+              <a:endParaRPr lang="en-US"/>
+            </a:p>
+          </p:txBody>
+        </p:sp>
+        <p:sp>
+          <p:nvSpPr>
+            <p:cNvPr id="11" name="Curved Up Arrow 10"/>
+            <p:cNvSpPr/>
+            <p:nvPr/>
+          </p:nvSpPr>
+          <p:spPr>
+            <a:xfrm>
+              <a:off x="4022402" y="631179"/>
+              <a:ext cx="291182" cy="198718"/>
+            </a:xfrm>
+            <a:prstGeom prst="curvedUpArrow">
+              <a:avLst/>
+            </a:prstGeom>
+          </p:spPr>
+          <p:style>
+            <a:lnRef idx="2">
+              <a:schemeClr val="accent6">
+                <a:shade val="50000"/>
+              </a:schemeClr>
+            </a:lnRef>
+            <a:fillRef idx="1">
+              <a:schemeClr val="accent6"/>
+            </a:fillRef>
+            <a:effectRef idx="0">
+              <a:schemeClr val="accent6"/>
+            </a:effectRef>
+            <a:fontRef idx="minor">
+              <a:schemeClr val="lt1"/>
+            </a:fontRef>
+          </p:style>
+          <p:txBody>
+            <a:bodyPr rtlCol="0" anchor="ctr"/>
+            <a:lstStyle/>
+            <a:p>
+              <a:pPr algn="ctr"/>
+              <a:endParaRPr lang="en-US">
+                <a:solidFill>
+                  <a:schemeClr val="tx1"/>
+                </a:solidFill>
+              </a:endParaRPr>
+            </a:p>
+          </p:txBody>
+        </p:sp>
+      </p:grpSp>
+      <p:cxnSp>
+        <p:nvCxnSpPr>
+          <p:cNvPr id="29" name="Straight Arrow Connector 28"/>
+          <p:cNvCxnSpPr/>
+          <p:nvPr/>
+        </p:nvCxnSpPr>
+        <p:spPr>
+          <a:xfrm flipH="1">
+            <a:off x="2152483" y="2182118"/>
+            <a:ext cx="3183141" cy="163654"/>
+          </a:xfrm>
+          <a:prstGeom prst="straightConnector1">
+            <a:avLst/>
+          </a:prstGeom>
+          <a:ln>
+            <a:tailEnd type="triangle"/>
+          </a:ln>
+        </p:spPr>
+        <p:style>
+          <a:lnRef idx="3">
+            <a:schemeClr val="accent6"/>
+          </a:lnRef>
+          <a:fillRef idx="0">
+            <a:schemeClr val="accent6"/>
+          </a:fillRef>
+          <a:effectRef idx="2">
+            <a:schemeClr val="accent6"/>
+          </a:effectRef>
+          <a:fontRef idx="minor">
+            <a:schemeClr val="tx1"/>
+          </a:fontRef>
+        </p:style>
+      </p:cxnSp>
+      <p:cxnSp>
+        <p:nvCxnSpPr>
+          <p:cNvPr id="33" name="Straight Arrow Connector 32"/>
+          <p:cNvCxnSpPr/>
+          <p:nvPr/>
+        </p:nvCxnSpPr>
+        <p:spPr>
+          <a:xfrm>
+            <a:off x="2152481" y="3463391"/>
+            <a:ext cx="3252996" cy="234669"/>
+          </a:xfrm>
+          <a:prstGeom prst="straightConnector1">
+            <a:avLst/>
+          </a:prstGeom>
+          <a:ln>
+            <a:tailEnd type="triangle"/>
+          </a:ln>
+        </p:spPr>
+        <p:style>
+          <a:lnRef idx="3">
+            <a:schemeClr val="accent6"/>
+          </a:lnRef>
+          <a:fillRef idx="0">
+            <a:schemeClr val="accent6"/>
+          </a:fillRef>
+          <a:effectRef idx="2">
+            <a:schemeClr val="accent6"/>
+          </a:effectRef>
+          <a:fontRef idx="minor">
+            <a:schemeClr val="tx1"/>
+          </a:fontRef>
+        </p:style>
+      </p:cxnSp>
+      <p:sp>
+        <p:nvSpPr>
+          <p:cNvPr id="58" name="Freeform 57"/>
+          <p:cNvSpPr/>
+          <p:nvPr/>
+        </p:nvSpPr>
+        <p:spPr>
+          <a:xfrm>
+            <a:off x="4701471" y="2257678"/>
+            <a:ext cx="728285" cy="699844"/>
+          </a:xfrm>
+          <a:custGeom>
+            <a:avLst/>
+            <a:gdLst>
+              <a:gd name="connsiteX0" fmla="*/ 639272 w 728285"/>
+              <a:gd name="connsiteY0" fmla="*/ 0 h 699844"/>
+              <a:gd name="connsiteX1" fmla="*/ 2 w 728285"/>
+              <a:gd name="connsiteY1" fmla="*/ 623087 h 699844"/>
+              <a:gd name="connsiteX2" fmla="*/ 631180 w 728285"/>
+              <a:gd name="connsiteY2" fmla="*/ 695915 h 699844"/>
+              <a:gd name="connsiteX3" fmla="*/ 663548 w 728285"/>
+              <a:gd name="connsiteY3" fmla="*/ 679731 h 699844"/>
+              <a:gd name="connsiteX4" fmla="*/ 728285 w 728285"/>
+              <a:gd name="connsiteY4" fmla="*/ 687823 h 699844"/>
+            </a:gdLst>
+            <a:ahLst/>
+            <a:cxnLst>
+              <a:cxn ang="0">
+                <a:pos x="connsiteX0" y="connsiteY0"/>
+              </a:cxn>
+              <a:cxn ang="0">
+                <a:pos x="connsiteX1" y="connsiteY1"/>
+              </a:cxn>
+              <a:cxn ang="0">
+                <a:pos x="connsiteX2" y="connsiteY2"/>
+              </a:cxn>
+              <a:cxn ang="0">
+                <a:pos x="connsiteX3" y="connsiteY3"/>
+              </a:cxn>
+              <a:cxn ang="0">
+                <a:pos x="connsiteX4" y="connsiteY4"/>
+              </a:cxn>
+            </a:cxnLst>
+            <a:rect l="l" t="t" r="r" b="b"/>
+            <a:pathLst>
+              <a:path w="728285" h="699844">
+                <a:moveTo>
+                  <a:pt x="639272" y="0"/>
+                </a:moveTo>
+                <a:cubicBezTo>
+                  <a:pt x="320311" y="253550"/>
+                  <a:pt x="1351" y="507101"/>
+                  <a:pt x="2" y="623087"/>
+                </a:cubicBezTo>
+                <a:cubicBezTo>
+                  <a:pt x="-1347" y="739073"/>
+                  <a:pt x="520589" y="686474"/>
+                  <a:pt x="631180" y="695915"/>
+                </a:cubicBezTo>
+                <a:cubicBezTo>
+                  <a:pt x="741771" y="705356"/>
+                  <a:pt x="647364" y="681080"/>
+                  <a:pt x="663548" y="679731"/>
+                </a:cubicBezTo>
+                <a:cubicBezTo>
+                  <a:pt x="679732" y="678382"/>
+                  <a:pt x="704008" y="683102"/>
+                  <a:pt x="728285" y="687823"/>
+                </a:cubicBezTo>
+              </a:path>
+            </a:pathLst>
+          </a:custGeom>
+          <a:ln>
+            <a:tailEnd type="triangle"/>
+          </a:ln>
+        </p:spPr>
+        <p:style>
+          <a:lnRef idx="3">
+            <a:schemeClr val="accent6"/>
+          </a:lnRef>
+          <a:fillRef idx="0">
+            <a:schemeClr val="accent6"/>
+          </a:fillRef>
+          <a:effectRef idx="2">
+            <a:schemeClr val="accent6"/>
+          </a:effectRef>
+          <a:fontRef idx="minor">
+            <a:schemeClr val="tx1"/>
+          </a:fontRef>
+        </p:style>
+        <p:txBody>
+          <a:bodyPr rtlCol="0" anchor="ctr"/>
+          <a:lstStyle/>
+          <a:p>
+            <a:pPr algn="ctr"/>
+            <a:endParaRPr lang="en-US"/>
+          </a:p>
+        </p:txBody>
+      </p:sp>
+      <p:sp>
+        <p:nvSpPr>
+          <p:cNvPr id="59" name="Freeform 58"/>
+          <p:cNvSpPr/>
+          <p:nvPr/>
+        </p:nvSpPr>
+        <p:spPr>
+          <a:xfrm>
+            <a:off x="4582055" y="886204"/>
+            <a:ext cx="775351" cy="1215311"/>
+          </a:xfrm>
+          <a:custGeom>
+            <a:avLst/>
+            <a:gdLst>
+              <a:gd name="connsiteX0" fmla="*/ 639272 w 728285"/>
+              <a:gd name="connsiteY0" fmla="*/ 0 h 699844"/>
+              <a:gd name="connsiteX1" fmla="*/ 2 w 728285"/>
+              <a:gd name="connsiteY1" fmla="*/ 623087 h 699844"/>
+              <a:gd name="connsiteX2" fmla="*/ 631180 w 728285"/>
+              <a:gd name="connsiteY2" fmla="*/ 695915 h 699844"/>
+              <a:gd name="connsiteX3" fmla="*/ 663548 w 728285"/>
+              <a:gd name="connsiteY3" fmla="*/ 679731 h 699844"/>
+              <a:gd name="connsiteX4" fmla="*/ 728285 w 728285"/>
+              <a:gd name="connsiteY4" fmla="*/ 687823 h 699844"/>
+            </a:gdLst>
+            <a:ahLst/>
+            <a:cxnLst>
+              <a:cxn ang="0">
+                <a:pos x="connsiteX0" y="connsiteY0"/>
+              </a:cxn>
+              <a:cxn ang="0">
+                <a:pos x="connsiteX1" y="connsiteY1"/>
+              </a:cxn>
+              <a:cxn ang="0">
+                <a:pos x="connsiteX2" y="connsiteY2"/>
+              </a:cxn>
+              <a:cxn ang="0">
+                <a:pos x="connsiteX3" y="connsiteY3"/>
+              </a:cxn>
+              <a:cxn ang="0">
+                <a:pos x="connsiteX4" y="connsiteY4"/>
+              </a:cxn>
+            </a:cxnLst>
+            <a:rect l="l" t="t" r="r" b="b"/>
+            <a:pathLst>
+              <a:path w="728285" h="699844">
+                <a:moveTo>
+                  <a:pt x="639272" y="0"/>
+                </a:moveTo>
+                <a:cubicBezTo>
+                  <a:pt x="320311" y="253550"/>
+                  <a:pt x="1351" y="507101"/>
+                  <a:pt x="2" y="623087"/>
+                </a:cubicBezTo>
+                <a:cubicBezTo>
+                  <a:pt x="-1347" y="739073"/>
+                  <a:pt x="520589" y="686474"/>
+                  <a:pt x="631180" y="695915"/>
+                </a:cubicBezTo>
+                <a:cubicBezTo>
+                  <a:pt x="741771" y="705356"/>
+                  <a:pt x="647364" y="681080"/>
+                  <a:pt x="663548" y="679731"/>
+                </a:cubicBezTo>
+                <a:cubicBezTo>
+                  <a:pt x="679732" y="678382"/>
+                  <a:pt x="704008" y="683102"/>
+                  <a:pt x="728285" y="687823"/>
+                </a:cubicBezTo>
+              </a:path>
+            </a:pathLst>
+          </a:custGeom>
+          <a:ln>
+            <a:tailEnd type="triangle"/>
+          </a:ln>
+        </p:spPr>
+        <p:style>
+          <a:lnRef idx="3">
+            <a:schemeClr val="accent6"/>
+          </a:lnRef>
+          <a:fillRef idx="0">
+            <a:schemeClr val="accent6"/>
+          </a:fillRef>
+          <a:effectRef idx="2">
+            <a:schemeClr val="accent6"/>
+          </a:effectRef>
+          <a:fontRef idx="minor">
+            <a:schemeClr val="tx1"/>
+          </a:fontRef>
+        </p:style>
+        <p:txBody>
+          <a:bodyPr rtlCol="0" anchor="ctr"/>
+          <a:lstStyle/>
+          <a:p>
+            <a:pPr algn="ctr"/>
+            <a:endParaRPr lang="en-US"/>
+          </a:p>
+        </p:txBody>
+      </p:sp>
+      <p:sp>
+        <p:nvSpPr>
+          <p:cNvPr id="62" name="Oval 61"/>
+          <p:cNvSpPr/>
+          <p:nvPr/>
+        </p:nvSpPr>
+        <p:spPr>
+          <a:xfrm>
+            <a:off x="4834992" y="395127"/>
+            <a:ext cx="226060" cy="194209"/>
+          </a:xfrm>
+          <a:prstGeom prst="ellipse">
+            <a:avLst/>
+          </a:prstGeom>
+        </p:spPr>
+        <p:style>
+          <a:lnRef idx="0">
+            <a:schemeClr val="accent6"/>
+          </a:lnRef>
+          <a:fillRef idx="3">
+            <a:schemeClr val="accent6"/>
+          </a:fillRef>
+          <a:effectRef idx="3">
+            <a:schemeClr val="accent6"/>
+          </a:effectRef>
+          <a:fontRef idx="minor">
+            <a:schemeClr val="lt1"/>
+          </a:fontRef>
+        </p:style>
+        <p:txBody>
+          <a:bodyPr rtlCol="0" anchor="ctr"/>
+          <a:lstStyle/>
+          <a:p>
+            <a:pPr algn="ctr"/>
+            <a:r>
+              <a:rPr lang="en-US" sz="1200" dirty="0" smtClean="0"/>
+              <a:t>1</a:t>
+            </a:r>
+            <a:endParaRPr lang="en-US" sz="1200" dirty="0"/>
+          </a:p>
+        </p:txBody>
+      </p:sp>
+      <p:sp>
+        <p:nvSpPr>
+          <p:cNvPr id="63" name="Oval 62"/>
+          <p:cNvSpPr/>
+          <p:nvPr/>
+        </p:nvSpPr>
+        <p:spPr>
+          <a:xfrm>
+            <a:off x="4828863" y="1850503"/>
+            <a:ext cx="226060" cy="194209"/>
+          </a:xfrm>
+          <a:prstGeom prst="ellipse">
+            <a:avLst/>
+          </a:prstGeom>
+        </p:spPr>
+        <p:style>
+          <a:lnRef idx="0">
+            <a:schemeClr val="accent6"/>
+          </a:lnRef>
+          <a:fillRef idx="3">
+            <a:schemeClr val="accent6"/>
+          </a:fillRef>
+          <a:effectRef idx="3">
+            <a:schemeClr val="accent6"/>
+          </a:effectRef>
+          <a:fontRef idx="minor">
+            <a:schemeClr val="lt1"/>
+          </a:fontRef>
+        </p:style>
+        <p:txBody>
+          <a:bodyPr rtlCol="0" anchor="ctr"/>
+          <a:lstStyle/>
+          <a:p>
+            <a:pPr algn="ctr"/>
+            <a:r>
+              <a:rPr lang="en-US" sz="1200" dirty="0" smtClean="0"/>
+              <a:t>2</a:t>
+            </a:r>
+            <a:endParaRPr lang="en-US" sz="1200" dirty="0"/>
+          </a:p>
+        </p:txBody>
+      </p:sp>
+      <p:sp>
+        <p:nvSpPr>
+          <p:cNvPr id="64" name="Oval 63"/>
+          <p:cNvSpPr/>
+          <p:nvPr/>
+        </p:nvSpPr>
+        <p:spPr>
+          <a:xfrm>
+            <a:off x="2214521" y="2710372"/>
+            <a:ext cx="226060" cy="194209"/>
+          </a:xfrm>
+          <a:prstGeom prst="ellipse">
+            <a:avLst/>
+          </a:prstGeom>
+        </p:spPr>
+        <p:style>
+          <a:lnRef idx="0">
+            <a:schemeClr val="accent6"/>
+          </a:lnRef>
+          <a:fillRef idx="3">
+            <a:schemeClr val="accent6"/>
+          </a:fillRef>
+          <a:effectRef idx="3">
+            <a:schemeClr val="accent6"/>
+          </a:effectRef>
+          <a:fontRef idx="minor">
+            <a:schemeClr val="lt1"/>
+          </a:fontRef>
+        </p:style>
+        <p:txBody>
+          <a:bodyPr rtlCol="0" anchor="ctr"/>
+          <a:lstStyle/>
+          <a:p>
+            <a:pPr algn="ctr"/>
+            <a:r>
+              <a:rPr lang="en-US" sz="1200" dirty="0"/>
+              <a:t>3</a:t>
+            </a:r>
+            <a:endParaRPr lang="en-US" sz="1200" dirty="0"/>
+          </a:p>
+        </p:txBody>
+      </p:sp>
+      <p:sp>
+        <p:nvSpPr>
+          <p:cNvPr id="65" name="Oval 64"/>
+          <p:cNvSpPr/>
+          <p:nvPr/>
+        </p:nvSpPr>
+        <p:spPr>
+          <a:xfrm>
+            <a:off x="4828863" y="3033082"/>
+            <a:ext cx="226060" cy="194209"/>
+          </a:xfrm>
+          <a:prstGeom prst="ellipse">
+            <a:avLst/>
+          </a:prstGeom>
+        </p:spPr>
+        <p:style>
+          <a:lnRef idx="0">
+            <a:schemeClr val="accent6"/>
+          </a:lnRef>
+          <a:fillRef idx="3">
+            <a:schemeClr val="accent6"/>
+          </a:fillRef>
+          <a:effectRef idx="3">
+            <a:schemeClr val="accent6"/>
+          </a:effectRef>
+          <a:fontRef idx="minor">
+            <a:schemeClr val="lt1"/>
+          </a:fontRef>
+        </p:style>
+        <p:txBody>
+          <a:bodyPr rtlCol="0" anchor="ctr"/>
+          <a:lstStyle/>
+          <a:p>
+            <a:pPr algn="ctr"/>
+            <a:r>
+              <a:rPr lang="en-US" sz="1200" dirty="0"/>
+              <a:t>4</a:t>
+            </a:r>
+            <a:endParaRPr lang="en-US" sz="1200" dirty="0"/>
+          </a:p>
+        </p:txBody>
+      </p:sp>
+      <p:sp>
+        <p:nvSpPr>
+          <p:cNvPr id="66" name="Oval 65"/>
+          <p:cNvSpPr/>
+          <p:nvPr/>
+        </p:nvSpPr>
+        <p:spPr>
+          <a:xfrm>
+            <a:off x="850948" y="4530804"/>
+            <a:ext cx="226060" cy="194209"/>
+          </a:xfrm>
+          <a:prstGeom prst="ellipse">
+            <a:avLst/>
+          </a:prstGeom>
+        </p:spPr>
+        <p:style>
+          <a:lnRef idx="0">
+            <a:schemeClr val="accent6"/>
+          </a:lnRef>
+          <a:fillRef idx="3">
+            <a:schemeClr val="accent6"/>
+          </a:fillRef>
+          <a:effectRef idx="3">
+            <a:schemeClr val="accent6"/>
+          </a:effectRef>
+          <a:fontRef idx="minor">
+            <a:schemeClr val="lt1"/>
+          </a:fontRef>
+        </p:style>
+        <p:txBody>
+          <a:bodyPr rtlCol="0" anchor="ctr"/>
+          <a:lstStyle/>
+          <a:p>
+            <a:pPr algn="ctr"/>
+            <a:r>
+              <a:rPr lang="en-US" sz="1200" dirty="0" smtClean="0"/>
+              <a:t>1</a:t>
+            </a:r>
+            <a:endParaRPr lang="en-US" sz="1200" dirty="0"/>
+          </a:p>
+        </p:txBody>
+      </p:sp>
+      <p:sp>
+        <p:nvSpPr>
+          <p:cNvPr id="67" name="TextBox 66"/>
+          <p:cNvSpPr txBox="1"/>
+          <p:nvPr/>
+        </p:nvSpPr>
+        <p:spPr>
+          <a:xfrm>
+            <a:off x="1077008" y="4474021"/>
+            <a:ext cx="5615873" cy="307777"/>
+          </a:xfrm>
+          <a:prstGeom prst="rect">
+            <a:avLst/>
+          </a:prstGeom>
+          <a:noFill/>
+        </p:spPr>
+        <p:txBody>
+          <a:bodyPr wrap="square" rtlCol="0">
+            <a:spAutoFit/>
+          </a:bodyPr>
+          <a:lstStyle/>
+          <a:p>
+            <a:r>
+              <a:rPr lang="en-US" sz="1400" dirty="0" smtClean="0"/>
+              <a:t>User start MyApp from a shortcut, that is pointing to Upgrader.exe.  </a:t>
+            </a:r>
+            <a:endParaRPr lang="en-US" sz="1400" dirty="0"/>
+          </a:p>
+        </p:txBody>
+      </p:sp>
+      <p:sp>
+        <p:nvSpPr>
+          <p:cNvPr id="71" name="TextBox 70"/>
+          <p:cNvSpPr txBox="1"/>
+          <p:nvPr/>
+        </p:nvSpPr>
+        <p:spPr>
+          <a:xfrm>
+            <a:off x="1071309" y="4794815"/>
+            <a:ext cx="7515108" cy="307777"/>
+          </a:xfrm>
+          <a:prstGeom prst="rect">
+            <a:avLst/>
+          </a:prstGeom>
+          <a:noFill/>
+        </p:spPr>
+        <p:txBody>
+          <a:bodyPr wrap="square" rtlCol="0">
+            <a:spAutoFit/>
+          </a:bodyPr>
+          <a:lstStyle/>
+          <a:p>
+            <a:r>
+              <a:rPr lang="en-US" sz="1400" dirty="0" smtClean="0"/>
+              <a:t>Upgrader start comparing dates of the local files with dates from the base directory.  </a:t>
+            </a:r>
+            <a:endParaRPr lang="en-US" sz="1400" dirty="0"/>
+          </a:p>
+        </p:txBody>
+      </p:sp>
+      <p:sp>
+        <p:nvSpPr>
+          <p:cNvPr id="72" name="Oval 71"/>
+          <p:cNvSpPr/>
+          <p:nvPr/>
+        </p:nvSpPr>
+        <p:spPr>
+          <a:xfrm>
+            <a:off x="845249" y="4841405"/>
+            <a:ext cx="226060" cy="194209"/>
+          </a:xfrm>
+          <a:prstGeom prst="ellipse">
+            <a:avLst/>
+          </a:prstGeom>
+        </p:spPr>
+        <p:style>
+          <a:lnRef idx="0">
+            <a:schemeClr val="accent6"/>
+          </a:lnRef>
+          <a:fillRef idx="3">
+            <a:schemeClr val="accent6"/>
+          </a:fillRef>
+          <a:effectRef idx="3">
+            <a:schemeClr val="accent6"/>
+          </a:effectRef>
+          <a:fontRef idx="minor">
+            <a:schemeClr val="lt1"/>
+          </a:fontRef>
+        </p:style>
+        <p:txBody>
+          <a:bodyPr rtlCol="0" anchor="ctr"/>
+          <a:lstStyle/>
+          <a:p>
+            <a:pPr algn="ctr"/>
+            <a:r>
+              <a:rPr lang="en-US" sz="1200" dirty="0" smtClean="0"/>
+              <a:t>2</a:t>
+            </a:r>
+            <a:endParaRPr lang="en-US" sz="1200" dirty="0"/>
+          </a:p>
+        </p:txBody>
+      </p:sp>
+      <p:sp>
+        <p:nvSpPr>
+          <p:cNvPr id="73" name="Oval 72"/>
+          <p:cNvSpPr/>
+          <p:nvPr/>
+        </p:nvSpPr>
+        <p:spPr>
+          <a:xfrm>
+            <a:off x="845249" y="5152006"/>
+            <a:ext cx="226060" cy="194209"/>
+          </a:xfrm>
+          <a:prstGeom prst="ellipse">
+            <a:avLst/>
+          </a:prstGeom>
+        </p:spPr>
+        <p:style>
+          <a:lnRef idx="0">
+            <a:schemeClr val="accent6"/>
+          </a:lnRef>
+          <a:fillRef idx="3">
+            <a:schemeClr val="accent6"/>
+          </a:fillRef>
+          <a:effectRef idx="3">
+            <a:schemeClr val="accent6"/>
+          </a:effectRef>
+          <a:fontRef idx="minor">
+            <a:schemeClr val="lt1"/>
+          </a:fontRef>
+        </p:style>
+        <p:txBody>
+          <a:bodyPr rtlCol="0" anchor="ctr"/>
+          <a:lstStyle/>
+          <a:p>
+            <a:pPr algn="ctr"/>
+            <a:r>
+              <a:rPr lang="en-US" sz="1200" dirty="0" smtClean="0"/>
+              <a:t>3</a:t>
+            </a:r>
+            <a:endParaRPr lang="en-US" sz="1200" dirty="0"/>
+          </a:p>
+        </p:txBody>
+      </p:sp>
+      <p:sp>
+        <p:nvSpPr>
+          <p:cNvPr id="74" name="TextBox 73"/>
+          <p:cNvSpPr txBox="1"/>
+          <p:nvPr/>
+        </p:nvSpPr>
+        <p:spPr>
+          <a:xfrm>
+            <a:off x="1079910" y="5115609"/>
+            <a:ext cx="7515108" cy="307777"/>
+          </a:xfrm>
+          <a:prstGeom prst="rect">
+            <a:avLst/>
+          </a:prstGeom>
+          <a:noFill/>
+        </p:spPr>
+        <p:txBody>
+          <a:bodyPr wrap="square" rtlCol="0">
+            <a:spAutoFit/>
+          </a:bodyPr>
+          <a:lstStyle/>
+          <a:p>
+            <a:r>
+              <a:rPr lang="en-US" sz="1400" dirty="0" smtClean="0"/>
+              <a:t>If base directory contains some newer files, Upgrader copies them to the local directory.  </a:t>
+            </a:r>
+            <a:endParaRPr lang="en-US" sz="1400" dirty="0"/>
+          </a:p>
+        </p:txBody>
+      </p:sp>
+      <p:sp>
+        <p:nvSpPr>
+          <p:cNvPr id="75" name="TextBox 74"/>
+          <p:cNvSpPr txBox="1"/>
+          <p:nvPr/>
+        </p:nvSpPr>
+        <p:spPr>
+          <a:xfrm>
+            <a:off x="1071309" y="5436403"/>
+            <a:ext cx="7515108" cy="307777"/>
+          </a:xfrm>
+          <a:prstGeom prst="rect">
+            <a:avLst/>
+          </a:prstGeom>
+          <a:noFill/>
+        </p:spPr>
+        <p:txBody>
+          <a:bodyPr wrap="square" rtlCol="0">
+            <a:spAutoFit/>
+          </a:bodyPr>
+          <a:lstStyle/>
+          <a:p>
+            <a:r>
+              <a:rPr lang="en-US" sz="1400" dirty="0" smtClean="0"/>
+              <a:t>After files have been copied, Upgrader starts MyApp.exe.</a:t>
+            </a:r>
+            <a:endParaRPr lang="en-US" sz="1400" dirty="0"/>
+          </a:p>
+        </p:txBody>
+      </p:sp>
+      <p:sp>
+        <p:nvSpPr>
+          <p:cNvPr id="76" name="Oval 75"/>
+          <p:cNvSpPr/>
+          <p:nvPr/>
+        </p:nvSpPr>
+        <p:spPr>
+          <a:xfrm>
+            <a:off x="845249" y="5462606"/>
+            <a:ext cx="226060" cy="194209"/>
+          </a:xfrm>
+          <a:prstGeom prst="ellipse">
+            <a:avLst/>
+          </a:prstGeom>
+        </p:spPr>
+        <p:style>
+          <a:lnRef idx="0">
+            <a:schemeClr val="accent6"/>
+          </a:lnRef>
+          <a:fillRef idx="3">
+            <a:schemeClr val="accent6"/>
+          </a:fillRef>
+          <a:effectRef idx="3">
+            <a:schemeClr val="accent6"/>
+          </a:effectRef>
+          <a:fontRef idx="minor">
+            <a:schemeClr val="lt1"/>
+          </a:fontRef>
+        </p:style>
+        <p:txBody>
+          <a:bodyPr rtlCol="0" anchor="ctr"/>
+          <a:lstStyle/>
+          <a:p>
+            <a:pPr algn="ctr"/>
+            <a:r>
+              <a:rPr lang="en-US" sz="1200" dirty="0"/>
+              <a:t>4</a:t>
+            </a:r>
           </a:p>
         </p:txBody>
       </p:sp>

--- a/Documents/Figs.pptx
+++ b/Documents/Figs.pptx
@@ -2980,13 +2980,13 @@
           </a:prstGeom>
         </p:spPr>
         <p:style>
-          <a:lnRef idx="2">
+          <a:lnRef idx="1">
             <a:schemeClr val="accent1"/>
           </a:lnRef>
-          <a:fillRef idx="1">
-            <a:schemeClr val="lt1"/>
+          <a:fillRef idx="2">
+            <a:schemeClr val="accent1"/>
           </a:fillRef>
-          <a:effectRef idx="0">
+          <a:effectRef idx="1">
             <a:schemeClr val="accent1"/>
           </a:effectRef>
           <a:fontRef idx="minor">
@@ -3064,13 +3064,13 @@
       </p:sp>
       <p:sp>
         <p:nvSpPr>
-          <p:cNvPr id="4" name="Round Single Corner Rectangle 3"/>
+          <p:cNvPr id="9" name="Round Single Corner Rectangle 8"/>
           <p:cNvSpPr/>
           <p:nvPr/>
         </p:nvSpPr>
         <p:spPr>
           <a:xfrm flipH="1">
-            <a:off x="5481678" y="1907699"/>
+            <a:off x="5233135" y="1643675"/>
             <a:ext cx="2172959" cy="2290047"/>
           </a:xfrm>
           <a:prstGeom prst="round1Rect">
@@ -3078,125 +3078,14 @@
           </a:prstGeom>
         </p:spPr>
         <p:style>
-          <a:lnRef idx="2">
-            <a:schemeClr val="accent1"/>
+          <a:lnRef idx="1">
+            <a:schemeClr val="accent4"/>
           </a:lnRef>
-          <a:fillRef idx="1">
-            <a:schemeClr val="lt1"/>
+          <a:fillRef idx="2">
+            <a:schemeClr val="accent4"/>
           </a:fillRef>
-          <a:effectRef idx="0">
-            <a:schemeClr val="accent1"/>
-          </a:effectRef>
-          <a:fontRef idx="minor">
-            <a:schemeClr val="dk1"/>
-          </a:fontRef>
-        </p:style>
-        <p:txBody>
-          <a:bodyPr rtlCol="0" anchor="ctr"/>
-          <a:lstStyle/>
-          <a:p>
-            <a:endParaRPr lang="en-US" dirty="0"/>
-          </a:p>
-        </p:txBody>
-      </p:sp>
-      <p:sp>
-        <p:nvSpPr>
-          <p:cNvPr id="7" name="Round Single Corner Rectangle 6"/>
-          <p:cNvSpPr/>
-          <p:nvPr/>
-        </p:nvSpPr>
-        <p:spPr>
-          <a:xfrm flipH="1">
-            <a:off x="5387546" y="1816663"/>
-            <a:ext cx="2172959" cy="2290047"/>
-          </a:xfrm>
-          <a:prstGeom prst="round1Rect">
-            <a:avLst/>
-          </a:prstGeom>
-        </p:spPr>
-        <p:style>
-          <a:lnRef idx="2">
-            <a:schemeClr val="accent1"/>
-          </a:lnRef>
-          <a:fillRef idx="1">
-            <a:schemeClr val="lt1"/>
-          </a:fillRef>
-          <a:effectRef idx="0">
-            <a:schemeClr val="accent1"/>
-          </a:effectRef>
-          <a:fontRef idx="minor">
-            <a:schemeClr val="dk1"/>
-          </a:fontRef>
-        </p:style>
-        <p:txBody>
-          <a:bodyPr rtlCol="0" anchor="ctr"/>
-          <a:lstStyle/>
-          <a:p>
-            <a:endParaRPr lang="en-US" dirty="0"/>
-          </a:p>
-        </p:txBody>
-      </p:sp>
-      <p:sp>
-        <p:nvSpPr>
-          <p:cNvPr id="8" name="Round Single Corner Rectangle 7"/>
-          <p:cNvSpPr/>
-          <p:nvPr/>
-        </p:nvSpPr>
-        <p:spPr>
-          <a:xfrm flipH="1">
-            <a:off x="5293414" y="1725627"/>
-            <a:ext cx="2172959" cy="2290047"/>
-          </a:xfrm>
-          <a:prstGeom prst="round1Rect">
-            <a:avLst/>
-          </a:prstGeom>
-        </p:spPr>
-        <p:style>
-          <a:lnRef idx="2">
-            <a:schemeClr val="accent1"/>
-          </a:lnRef>
-          <a:fillRef idx="1">
-            <a:schemeClr val="lt1"/>
-          </a:fillRef>
-          <a:effectRef idx="0">
-            <a:schemeClr val="accent1"/>
-          </a:effectRef>
-          <a:fontRef idx="minor">
-            <a:schemeClr val="dk1"/>
-          </a:fontRef>
-        </p:style>
-        <p:txBody>
-          <a:bodyPr rtlCol="0" anchor="ctr"/>
-          <a:lstStyle/>
-          <a:p>
-            <a:endParaRPr lang="en-US" dirty="0"/>
-          </a:p>
-        </p:txBody>
-      </p:sp>
-      <p:sp>
-        <p:nvSpPr>
-          <p:cNvPr id="9" name="Round Single Corner Rectangle 8"/>
-          <p:cNvSpPr/>
-          <p:nvPr/>
-        </p:nvSpPr>
-        <p:spPr>
-          <a:xfrm flipH="1">
-            <a:off x="5233135" y="1643675"/>
-            <a:ext cx="2172959" cy="2290047"/>
-          </a:xfrm>
-          <a:prstGeom prst="round1Rect">
-            <a:avLst/>
-          </a:prstGeom>
-        </p:spPr>
-        <p:style>
-          <a:lnRef idx="2">
-            <a:schemeClr val="accent1"/>
-          </a:lnRef>
-          <a:fillRef idx="1">
-            <a:schemeClr val="lt1"/>
-          </a:fillRef>
-          <a:effectRef idx="0">
-            <a:schemeClr val="accent1"/>
+          <a:effectRef idx="1">
+            <a:schemeClr val="accent4"/>
           </a:effectRef>
           <a:fontRef idx="minor">
             <a:schemeClr val="dk1"/>
@@ -3900,7 +3789,7 @@
           <a:p>
             <a:r>
               <a:rPr lang="en-US" sz="1400" dirty="0" smtClean="0"/>
-              <a:t>User start MyApp from a shortcut, that is pointing to Upgrader.exe.  </a:t>
+              <a:t>A user starts MyApp from a shortcut, that points to the Upgrader.exe.  </a:t>
             </a:r>
             <a:endParaRPr lang="en-US" sz="1400" dirty="0"/>
           </a:p>
@@ -3930,7 +3819,7 @@
           <a:p>
             <a:r>
               <a:rPr lang="en-US" sz="1400" dirty="0" smtClean="0"/>
-              <a:t>Upgrader start comparing dates of the local files with dates from the base directory.  </a:t>
+              <a:t>Upgrader start comparing dates of the local files with the files from the base directory.  </a:t>
             </a:r>
             <a:endParaRPr lang="en-US" sz="1400" dirty="0"/>
           </a:p>
@@ -4044,7 +3933,7 @@
           <a:p>
             <a:r>
               <a:rPr lang="en-US" sz="1400" dirty="0" smtClean="0"/>
-              <a:t>If base directory contains some newer files, Upgrader copies them to the local directory.  </a:t>
+              <a:t>If the base directory contains newer files, Upgrader copies them to the user local directory.  </a:t>
             </a:r>
             <a:endParaRPr lang="en-US" sz="1400" dirty="0"/>
           </a:p>

--- a/Documents/Figs.pptx
+++ b/Documents/Figs.pptx
@@ -5,7 +5,10 @@
     <p:sldMasterId id="2147483648" r:id="rId1"/>
   </p:sldMasterIdLst>
   <p:sldIdLst>
-    <p:sldId id="257" r:id="rId2"/>
+    <p:sldId id="258" r:id="rId2"/>
+    <p:sldId id="259" r:id="rId3"/>
+    <p:sldId id="260" r:id="rId4"/>
+    <p:sldId id="257" r:id="rId5"/>
   </p:sldIdLst>
   <p:sldSz cx="12192000" cy="6858000"/>
   <p:notesSz cx="6858000" cy="9144000"/>
@@ -104,6 +107,11 @@
       </a:defRPr>
     </a:lvl9pPr>
   </p:defaultTextStyle>
+  <p:extLst>
+    <p:ext uri="{EFAFB233-063F-42B5-8137-9DF3F51BA10A}">
+      <p15:sldGuideLst xmlns:p15="http://schemas.microsoft.com/office/powerpoint/2012/main"/>
+    </p:ext>
+  </p:extLst>
 </p:presentation>
 </file>
 
@@ -2972,7 +2980,7 @@
         </p:nvSpPr>
         <p:spPr>
           <a:xfrm flipH="1">
-            <a:off x="849662" y="1634591"/>
+            <a:off x="2031099" y="1576532"/>
             <a:ext cx="2172959" cy="2290047"/>
           </a:xfrm>
           <a:prstGeom prst="round1Rect">
@@ -2998,9 +3006,35 @@
           <a:lstStyle/>
           <a:p>
             <a:r>
+              <a:rPr lang="en-US" dirty="0">
+                <a:solidFill>
+                  <a:srgbClr val="00B0F0"/>
+                </a:solidFill>
+              </a:rPr>
+              <a:t>Upgrader.exe</a:t>
+            </a:r>
+            <a:br>
+              <a:rPr lang="en-US" dirty="0">
+                <a:solidFill>
+                  <a:srgbClr val="00B0F0"/>
+                </a:solidFill>
+              </a:rPr>
+            </a:br>
+            <a:r>
+              <a:rPr lang="en-US" dirty="0">
+                <a:solidFill>
+                  <a:srgbClr val="00B0F0"/>
+                </a:solidFill>
+              </a:rPr>
+              <a:t>Upgrader.exe.config</a:t>
+            </a:r>
+          </a:p>
+          <a:p>
+            <a:r>
               <a:rPr lang="en-US" dirty="0" smtClean="0"/>
               <a:t>MyApp.exe</a:t>
             </a:r>
+            <a:endParaRPr lang="en-US" dirty="0" smtClean="0"/>
           </a:p>
           <a:p>
             <a:r>
@@ -3015,13 +3049,11 @@
             </a:r>
           </a:p>
           <a:p>
-            <a:endParaRPr lang="en-US" dirty="0" smtClean="0"/>
-          </a:p>
-          <a:p>
             <a:r>
               <a:rPr lang="en-US" dirty="0" smtClean="0"/>
               <a:t>MyApp.txt</a:t>
             </a:r>
+            <a:endParaRPr lang="en-US" dirty="0" smtClean="0"/>
           </a:p>
           <a:p>
             <a:r>
@@ -3040,7 +3072,7 @@
         </p:nvSpPr>
         <p:spPr>
           <a:xfrm>
-            <a:off x="688908" y="1043872"/>
+            <a:off x="1870345" y="985813"/>
             <a:ext cx="2494465" cy="369332"/>
           </a:xfrm>
           <a:prstGeom prst="rect">
@@ -3064,13 +3096,667 @@
       </p:sp>
       <p:sp>
         <p:nvSpPr>
-          <p:cNvPr id="9" name="Round Single Corner Rectangle 8"/>
+          <p:cNvPr id="13" name="Oval 12"/>
           <p:cNvSpPr/>
           <p:nvPr/>
         </p:nvSpPr>
         <p:spPr>
+          <a:xfrm>
+            <a:off x="1570614" y="1073374"/>
+            <a:ext cx="226060" cy="194209"/>
+          </a:xfrm>
+          <a:prstGeom prst="ellipse">
+            <a:avLst/>
+          </a:prstGeom>
+        </p:spPr>
+        <p:style>
+          <a:lnRef idx="0">
+            <a:schemeClr val="accent6"/>
+          </a:lnRef>
+          <a:fillRef idx="3">
+            <a:schemeClr val="accent6"/>
+          </a:fillRef>
+          <a:effectRef idx="3">
+            <a:schemeClr val="accent6"/>
+          </a:effectRef>
+          <a:fontRef idx="minor">
+            <a:schemeClr val="lt1"/>
+          </a:fontRef>
+        </p:style>
+        <p:txBody>
+          <a:bodyPr rtlCol="0" anchor="ctr"/>
+          <a:lstStyle/>
+          <a:p>
+            <a:pPr algn="ctr"/>
+            <a:r>
+              <a:rPr lang="en-US" sz="1200" dirty="0" smtClean="0"/>
+              <a:t>1</a:t>
+            </a:r>
+            <a:endParaRPr lang="en-US" sz="1200" dirty="0"/>
+          </a:p>
+        </p:txBody>
+      </p:sp>
+      <p:sp>
+        <p:nvSpPr>
+          <p:cNvPr id="17" name="Oval 16"/>
+          <p:cNvSpPr/>
+          <p:nvPr/>
+        </p:nvSpPr>
+        <p:spPr>
+          <a:xfrm>
+            <a:off x="836648" y="4530804"/>
+            <a:ext cx="226060" cy="194209"/>
+          </a:xfrm>
+          <a:prstGeom prst="ellipse">
+            <a:avLst/>
+          </a:prstGeom>
+        </p:spPr>
+        <p:style>
+          <a:lnRef idx="0">
+            <a:schemeClr val="accent6"/>
+          </a:lnRef>
+          <a:fillRef idx="3">
+            <a:schemeClr val="accent6"/>
+          </a:fillRef>
+          <a:effectRef idx="3">
+            <a:schemeClr val="accent6"/>
+          </a:effectRef>
+          <a:fontRef idx="minor">
+            <a:schemeClr val="lt1"/>
+          </a:fontRef>
+        </p:style>
+        <p:txBody>
+          <a:bodyPr rtlCol="0" anchor="ctr"/>
+          <a:lstStyle/>
+          <a:p>
+            <a:pPr algn="ctr"/>
+            <a:r>
+              <a:rPr lang="en-US" sz="1200" dirty="0" smtClean="0"/>
+              <a:t>1</a:t>
+            </a:r>
+            <a:endParaRPr lang="en-US" sz="1200" dirty="0"/>
+          </a:p>
+        </p:txBody>
+      </p:sp>
+      <p:sp>
+        <p:nvSpPr>
+          <p:cNvPr id="18" name="TextBox 17"/>
+          <p:cNvSpPr txBox="1"/>
+          <p:nvPr/>
+        </p:nvSpPr>
+        <p:spPr>
+          <a:xfrm>
+            <a:off x="1077008" y="4474021"/>
+            <a:ext cx="7068616" cy="307777"/>
+          </a:xfrm>
+          <a:prstGeom prst="rect">
+            <a:avLst/>
+          </a:prstGeom>
+          <a:noFill/>
+        </p:spPr>
+        <p:txBody>
+          <a:bodyPr wrap="square" rtlCol="0">
+            <a:spAutoFit/>
+          </a:bodyPr>
+          <a:lstStyle/>
+          <a:p>
+            <a:r>
+              <a:rPr lang="en-US" sz="1400" dirty="0" smtClean="0"/>
+              <a:t>A network directory, - application base, - is allocated, with read-onl</a:t>
+            </a:r>
+            <a:r>
+              <a:rPr lang="en-US" sz="1400" dirty="0" smtClean="0"/>
+              <a:t>y permission to the </a:t>
+            </a:r>
+            <a:r>
+              <a:rPr lang="en-US" sz="1400" dirty="0" smtClean="0"/>
+              <a:t> users.</a:t>
+            </a:r>
+            <a:endParaRPr lang="en-US" sz="1400" dirty="0"/>
+          </a:p>
+        </p:txBody>
+      </p:sp>
+      <p:sp>
+        <p:nvSpPr>
+          <p:cNvPr id="20" name="Oval 19"/>
+          <p:cNvSpPr/>
+          <p:nvPr/>
+        </p:nvSpPr>
+        <p:spPr>
+          <a:xfrm>
+            <a:off x="4260569" y="2093758"/>
+            <a:ext cx="226060" cy="194209"/>
+          </a:xfrm>
+          <a:prstGeom prst="ellipse">
+            <a:avLst/>
+          </a:prstGeom>
+        </p:spPr>
+        <p:style>
+          <a:lnRef idx="0">
+            <a:schemeClr val="accent6"/>
+          </a:lnRef>
+          <a:fillRef idx="3">
+            <a:schemeClr val="accent6"/>
+          </a:fillRef>
+          <a:effectRef idx="3">
+            <a:schemeClr val="accent6"/>
+          </a:effectRef>
+          <a:fontRef idx="minor">
+            <a:schemeClr val="lt1"/>
+          </a:fontRef>
+        </p:style>
+        <p:txBody>
+          <a:bodyPr rtlCol="0" anchor="ctr"/>
+          <a:lstStyle/>
+          <a:p>
+            <a:pPr algn="ctr"/>
+            <a:r>
+              <a:rPr lang="en-US" sz="1200" dirty="0" smtClean="0"/>
+              <a:t>3</a:t>
+            </a:r>
+            <a:endParaRPr lang="en-US" sz="1200" dirty="0"/>
+          </a:p>
+        </p:txBody>
+      </p:sp>
+      <p:sp>
+        <p:nvSpPr>
+          <p:cNvPr id="21" name="Oval 20"/>
+          <p:cNvSpPr/>
+          <p:nvPr/>
+        </p:nvSpPr>
+        <p:spPr>
+          <a:xfrm>
+            <a:off x="836648" y="4908467"/>
+            <a:ext cx="226060" cy="194209"/>
+          </a:xfrm>
+          <a:prstGeom prst="ellipse">
+            <a:avLst/>
+          </a:prstGeom>
+        </p:spPr>
+        <p:style>
+          <a:lnRef idx="0">
+            <a:schemeClr val="accent6"/>
+          </a:lnRef>
+          <a:fillRef idx="3">
+            <a:schemeClr val="accent6"/>
+          </a:fillRef>
+          <a:effectRef idx="3">
+            <a:schemeClr val="accent6"/>
+          </a:effectRef>
+          <a:fontRef idx="minor">
+            <a:schemeClr val="lt1"/>
+          </a:fontRef>
+        </p:style>
+        <p:txBody>
+          <a:bodyPr rtlCol="0" anchor="ctr"/>
+          <a:lstStyle/>
+          <a:p>
+            <a:pPr algn="ctr"/>
+            <a:r>
+              <a:rPr lang="en-US" sz="1200" dirty="0" smtClean="0"/>
+              <a:t>2</a:t>
+            </a:r>
+            <a:endParaRPr lang="en-US" sz="1200" dirty="0"/>
+          </a:p>
+        </p:txBody>
+      </p:sp>
+      <p:sp>
+        <p:nvSpPr>
+          <p:cNvPr id="22" name="TextBox 21"/>
+          <p:cNvSpPr txBox="1"/>
+          <p:nvPr/>
+        </p:nvSpPr>
+        <p:spPr>
+          <a:xfrm>
+            <a:off x="1071309" y="4866974"/>
+            <a:ext cx="7515108" cy="307777"/>
+          </a:xfrm>
+          <a:prstGeom prst="rect">
+            <a:avLst/>
+          </a:prstGeom>
+          <a:noFill/>
+        </p:spPr>
+        <p:txBody>
+          <a:bodyPr wrap="square" rtlCol="0">
+            <a:spAutoFit/>
+          </a:bodyPr>
+          <a:lstStyle/>
+          <a:p>
+            <a:r>
+              <a:rPr lang="en-US" sz="1400" dirty="0" smtClean="0"/>
+              <a:t>Application files are copied to the base directory, together with two Upgrader files.</a:t>
+            </a:r>
+            <a:endParaRPr lang="en-US" sz="1400" dirty="0"/>
+          </a:p>
+        </p:txBody>
+      </p:sp>
+      <p:sp>
+        <p:nvSpPr>
+          <p:cNvPr id="23" name="TextBox 22"/>
+          <p:cNvSpPr txBox="1"/>
+          <p:nvPr/>
+        </p:nvSpPr>
+        <p:spPr>
+          <a:xfrm>
+            <a:off x="1077008" y="5259926"/>
+            <a:ext cx="7515108" cy="307777"/>
+          </a:xfrm>
+          <a:prstGeom prst="rect">
+            <a:avLst/>
+          </a:prstGeom>
+          <a:noFill/>
+        </p:spPr>
+        <p:txBody>
+          <a:bodyPr wrap="square" rtlCol="0">
+            <a:spAutoFit/>
+          </a:bodyPr>
+          <a:lstStyle/>
+          <a:p>
+            <a:r>
+              <a:rPr lang="en-US" sz="1400" dirty="0" smtClean="0"/>
+              <a:t>Upgrader.exe.config file is modified to reference application base directory and MyApp.exe name.</a:t>
+            </a:r>
+            <a:endParaRPr lang="en-US" sz="1400" dirty="0"/>
+          </a:p>
+        </p:txBody>
+      </p:sp>
+      <p:sp>
+        <p:nvSpPr>
+          <p:cNvPr id="24" name="Oval 23"/>
+          <p:cNvSpPr/>
+          <p:nvPr/>
+        </p:nvSpPr>
+        <p:spPr>
+          <a:xfrm>
+            <a:off x="836648" y="5286129"/>
+            <a:ext cx="226060" cy="194209"/>
+          </a:xfrm>
+          <a:prstGeom prst="ellipse">
+            <a:avLst/>
+          </a:prstGeom>
+        </p:spPr>
+        <p:style>
+          <a:lnRef idx="0">
+            <a:schemeClr val="accent6"/>
+          </a:lnRef>
+          <a:fillRef idx="3">
+            <a:schemeClr val="accent6"/>
+          </a:fillRef>
+          <a:effectRef idx="3">
+            <a:schemeClr val="accent6"/>
+          </a:effectRef>
+          <a:fontRef idx="minor">
+            <a:schemeClr val="lt1"/>
+          </a:fontRef>
+        </p:style>
+        <p:txBody>
+          <a:bodyPr rtlCol="0" anchor="ctr"/>
+          <a:lstStyle/>
+          <a:p>
+            <a:pPr algn="ctr"/>
+            <a:r>
+              <a:rPr lang="en-US" sz="1200" dirty="0"/>
+              <a:t>3</a:t>
+            </a:r>
+            <a:endParaRPr lang="en-US" sz="1200" dirty="0"/>
+          </a:p>
+        </p:txBody>
+      </p:sp>
+      <p:sp>
+        <p:nvSpPr>
+          <p:cNvPr id="71" name="Oval 70"/>
+          <p:cNvSpPr/>
+          <p:nvPr/>
+        </p:nvSpPr>
+        <p:spPr>
+          <a:xfrm>
+            <a:off x="1570614" y="1680816"/>
+            <a:ext cx="226060" cy="194209"/>
+          </a:xfrm>
+          <a:prstGeom prst="ellipse">
+            <a:avLst/>
+          </a:prstGeom>
+        </p:spPr>
+        <p:style>
+          <a:lnRef idx="0">
+            <a:schemeClr val="accent6"/>
+          </a:lnRef>
+          <a:fillRef idx="3">
+            <a:schemeClr val="accent6"/>
+          </a:fillRef>
+          <a:effectRef idx="3">
+            <a:schemeClr val="accent6"/>
+          </a:effectRef>
+          <a:fontRef idx="minor">
+            <a:schemeClr val="lt1"/>
+          </a:fontRef>
+        </p:style>
+        <p:txBody>
+          <a:bodyPr rtlCol="0" anchor="ctr"/>
+          <a:lstStyle/>
+          <a:p>
+            <a:pPr algn="ctr"/>
+            <a:r>
+              <a:rPr lang="en-US" sz="1200" dirty="0" smtClean="0"/>
+              <a:t>2</a:t>
+            </a:r>
+            <a:endParaRPr lang="en-US" sz="1200" dirty="0"/>
+          </a:p>
+        </p:txBody>
+      </p:sp>
+    </p:spTree>
+    <p:extLst>
+      <p:ext uri="{BB962C8B-B14F-4D97-AF65-F5344CB8AC3E}">
+        <p14:creationId xmlns:p14="http://schemas.microsoft.com/office/powerpoint/2010/main" val="3957699052"/>
+      </p:ext>
+    </p:extLst>
+  </p:cSld>
+  <p:clrMapOvr>
+    <a:masterClrMapping/>
+  </p:clrMapOvr>
+</p:sld>
+</file>
+
+<file path=ppt/slides/slide2.xml><?xml version="1.0" encoding="utf-8"?>
+<p:sld xmlns:a="http://schemas.openxmlformats.org/drawingml/2006/main" xmlns:r="http://schemas.openxmlformats.org/officeDocument/2006/relationships" xmlns:p="http://schemas.openxmlformats.org/presentationml/2006/main">
+  <p:cSld>
+    <p:spTree>
+      <p:nvGrpSpPr>
+        <p:cNvPr id="1" name=""/>
+        <p:cNvGrpSpPr/>
+        <p:nvPr/>
+      </p:nvGrpSpPr>
+      <p:grpSpPr>
+        <a:xfrm>
+          <a:off x="0" y="0"/>
+          <a:ext cx="0" cy="0"/>
+          <a:chOff x="0" y="0"/>
+          <a:chExt cx="0" cy="0"/>
+        </a:xfrm>
+      </p:grpSpPr>
+      <p:sp>
+        <p:nvSpPr>
+          <p:cNvPr id="2" name="Round Single Corner Rectangle 1"/>
+          <p:cNvSpPr/>
+          <p:nvPr/>
+        </p:nvSpPr>
+        <p:spPr>
           <a:xfrm flipH="1">
-            <a:off x="5233135" y="1643675"/>
+            <a:off x="1232061" y="1568439"/>
+            <a:ext cx="2172959" cy="2290047"/>
+          </a:xfrm>
+          <a:prstGeom prst="round1Rect">
+            <a:avLst/>
+          </a:prstGeom>
+        </p:spPr>
+        <p:style>
+          <a:lnRef idx="1">
+            <a:schemeClr val="accent1"/>
+          </a:lnRef>
+          <a:fillRef idx="2">
+            <a:schemeClr val="accent1"/>
+          </a:fillRef>
+          <a:effectRef idx="1">
+            <a:schemeClr val="accent1"/>
+          </a:effectRef>
+          <a:fontRef idx="minor">
+            <a:schemeClr val="dk1"/>
+          </a:fontRef>
+        </p:style>
+        <p:txBody>
+          <a:bodyPr rtlCol="0" anchor="ctr"/>
+          <a:lstStyle/>
+          <a:p>
+            <a:r>
+              <a:rPr lang="en-US" dirty="0">
+                <a:solidFill>
+                  <a:srgbClr val="00B0F0"/>
+                </a:solidFill>
+              </a:rPr>
+              <a:t>Upgrader.exe</a:t>
+            </a:r>
+            <a:br>
+              <a:rPr lang="en-US" dirty="0">
+                <a:solidFill>
+                  <a:srgbClr val="00B0F0"/>
+                </a:solidFill>
+              </a:rPr>
+            </a:br>
+            <a:r>
+              <a:rPr lang="en-US" dirty="0">
+                <a:solidFill>
+                  <a:srgbClr val="00B0F0"/>
+                </a:solidFill>
+              </a:rPr>
+              <a:t>Upgrader.exe.config</a:t>
+            </a:r>
+          </a:p>
+          <a:p>
+            <a:r>
+              <a:rPr lang="en-US" dirty="0" smtClean="0"/>
+              <a:t>MyApp.exe</a:t>
+            </a:r>
+            <a:endParaRPr lang="en-US" dirty="0" smtClean="0"/>
+          </a:p>
+          <a:p>
+            <a:r>
+              <a:rPr lang="en-US" dirty="0" smtClean="0"/>
+              <a:t>MyApp.dll</a:t>
+            </a:r>
+          </a:p>
+          <a:p>
+            <a:r>
+              <a:rPr lang="en-US" dirty="0" smtClean="0"/>
+              <a:t>…</a:t>
+            </a:r>
+          </a:p>
+          <a:p>
+            <a:r>
+              <a:rPr lang="en-US" dirty="0" smtClean="0"/>
+              <a:t>MyApp.txt</a:t>
+            </a:r>
+            <a:endParaRPr lang="en-US" dirty="0" smtClean="0"/>
+          </a:p>
+          <a:p>
+            <a:r>
+              <a:rPr lang="en-US" dirty="0" smtClean="0"/>
+              <a:t>Image.png</a:t>
+            </a:r>
+            <a:endParaRPr lang="en-US" dirty="0"/>
+          </a:p>
+        </p:txBody>
+      </p:sp>
+      <p:sp>
+        <p:nvSpPr>
+          <p:cNvPr id="3" name="TextBox 2"/>
+          <p:cNvSpPr txBox="1"/>
+          <p:nvPr/>
+        </p:nvSpPr>
+        <p:spPr>
+          <a:xfrm>
+            <a:off x="1071309" y="977721"/>
+            <a:ext cx="2494465" cy="369332"/>
+          </a:xfrm>
+          <a:prstGeom prst="rect">
+            <a:avLst/>
+          </a:prstGeom>
+          <a:noFill/>
+        </p:spPr>
+        <p:txBody>
+          <a:bodyPr wrap="none" rtlCol="0">
+            <a:spAutoFit/>
+          </a:bodyPr>
+          <a:lstStyle/>
+          <a:p>
+            <a:r>
+              <a:rPr lang="en-US" dirty="0" smtClean="0"/>
+              <a:t>\\Network\MyApp_base</a:t>
+            </a:r>
+            <a:endParaRPr lang="en-US" dirty="0"/>
+          </a:p>
+        </p:txBody>
+      </p:sp>
+      <p:sp>
+        <p:nvSpPr>
+          <p:cNvPr id="5" name="Oval 4"/>
+          <p:cNvSpPr/>
+          <p:nvPr/>
+        </p:nvSpPr>
+        <p:spPr>
+          <a:xfrm>
+            <a:off x="836648" y="4530804"/>
+            <a:ext cx="226060" cy="194209"/>
+          </a:xfrm>
+          <a:prstGeom prst="ellipse">
+            <a:avLst/>
+          </a:prstGeom>
+        </p:spPr>
+        <p:style>
+          <a:lnRef idx="0">
+            <a:schemeClr val="accent6"/>
+          </a:lnRef>
+          <a:fillRef idx="3">
+            <a:schemeClr val="accent6"/>
+          </a:fillRef>
+          <a:effectRef idx="3">
+            <a:schemeClr val="accent6"/>
+          </a:effectRef>
+          <a:fontRef idx="minor">
+            <a:schemeClr val="lt1"/>
+          </a:fontRef>
+        </p:style>
+        <p:txBody>
+          <a:bodyPr rtlCol="0" anchor="ctr"/>
+          <a:lstStyle/>
+          <a:p>
+            <a:pPr algn="ctr"/>
+            <a:r>
+              <a:rPr lang="en-US" sz="1200" dirty="0" smtClean="0"/>
+              <a:t>1</a:t>
+            </a:r>
+            <a:endParaRPr lang="en-US" sz="1200" dirty="0"/>
+          </a:p>
+        </p:txBody>
+      </p:sp>
+      <p:sp>
+        <p:nvSpPr>
+          <p:cNvPr id="6" name="TextBox 5"/>
+          <p:cNvSpPr txBox="1"/>
+          <p:nvPr/>
+        </p:nvSpPr>
+        <p:spPr>
+          <a:xfrm>
+            <a:off x="1077007" y="4474021"/>
+            <a:ext cx="9466585" cy="307777"/>
+          </a:xfrm>
+          <a:prstGeom prst="rect">
+            <a:avLst/>
+          </a:prstGeom>
+          <a:noFill/>
+        </p:spPr>
+        <p:txBody>
+          <a:bodyPr wrap="square" rtlCol="0">
+            <a:spAutoFit/>
+          </a:bodyPr>
+          <a:lstStyle/>
+          <a:p>
+            <a:r>
+              <a:rPr lang="en-US" sz="1400" dirty="0" smtClean="0"/>
+              <a:t>On the client side two files are copied to the application folder.</a:t>
+            </a:r>
+            <a:endParaRPr lang="en-US" sz="1400" dirty="0"/>
+          </a:p>
+        </p:txBody>
+      </p:sp>
+      <p:sp>
+        <p:nvSpPr>
+          <p:cNvPr id="8" name="Oval 7"/>
+          <p:cNvSpPr/>
+          <p:nvPr/>
+        </p:nvSpPr>
+        <p:spPr>
+          <a:xfrm>
+            <a:off x="836648" y="4908467"/>
+            <a:ext cx="226060" cy="194209"/>
+          </a:xfrm>
+          <a:prstGeom prst="ellipse">
+            <a:avLst/>
+          </a:prstGeom>
+        </p:spPr>
+        <p:style>
+          <a:lnRef idx="0">
+            <a:schemeClr val="accent6"/>
+          </a:lnRef>
+          <a:fillRef idx="3">
+            <a:schemeClr val="accent6"/>
+          </a:fillRef>
+          <a:effectRef idx="3">
+            <a:schemeClr val="accent6"/>
+          </a:effectRef>
+          <a:fontRef idx="minor">
+            <a:schemeClr val="lt1"/>
+          </a:fontRef>
+        </p:style>
+        <p:txBody>
+          <a:bodyPr rtlCol="0" anchor="ctr"/>
+          <a:lstStyle/>
+          <a:p>
+            <a:pPr algn="ctr"/>
+            <a:r>
+              <a:rPr lang="en-US" sz="1200" dirty="0" smtClean="0"/>
+              <a:t>2</a:t>
+            </a:r>
+            <a:endParaRPr lang="en-US" sz="1200" dirty="0"/>
+          </a:p>
+        </p:txBody>
+      </p:sp>
+      <p:sp>
+        <p:nvSpPr>
+          <p:cNvPr id="9" name="TextBox 8"/>
+          <p:cNvSpPr txBox="1"/>
+          <p:nvPr/>
+        </p:nvSpPr>
+        <p:spPr>
+          <a:xfrm>
+            <a:off x="1071309" y="4866974"/>
+            <a:ext cx="7515108" cy="307777"/>
+          </a:xfrm>
+          <a:prstGeom prst="rect">
+            <a:avLst/>
+          </a:prstGeom>
+          <a:noFill/>
+        </p:spPr>
+        <p:txBody>
+          <a:bodyPr wrap="square" rtlCol="0">
+            <a:spAutoFit/>
+          </a:bodyPr>
+          <a:lstStyle/>
+          <a:p>
+            <a:r>
+              <a:rPr lang="en-US" sz="1400" dirty="0" smtClean="0"/>
+              <a:t>Shortcut </a:t>
+            </a:r>
+            <a:r>
+              <a:rPr lang="en-US" sz="1400" dirty="0"/>
+              <a:t>to the Upgrader.exe dragged out to the </a:t>
+            </a:r>
+            <a:r>
+              <a:rPr lang="en-US" sz="1400" dirty="0" smtClean="0"/>
+              <a:t>client’s desktop and named MyApp.</a:t>
+            </a:r>
+            <a:endParaRPr lang="en-US" sz="1400" dirty="0"/>
+          </a:p>
+        </p:txBody>
+      </p:sp>
+      <p:sp>
+        <p:nvSpPr>
+          <p:cNvPr id="13" name="Round Single Corner Rectangle 12"/>
+          <p:cNvSpPr/>
+          <p:nvPr/>
+        </p:nvSpPr>
+        <p:spPr>
+          <a:xfrm flipH="1">
+            <a:off x="5459712" y="1568439"/>
             <a:ext cx="2172959" cy="2290047"/>
           </a:xfrm>
           <a:prstGeom prst="round1Rect">
@@ -3092,7 +3778,7 @@
           </a:fontRef>
         </p:style>
         <p:txBody>
-          <a:bodyPr rtlCol="0" anchor="ctr"/>
+          <a:bodyPr rtlCol="0" anchor="t"/>
           <a:lstStyle/>
           <a:p>
             <a:endParaRPr lang="en-US" dirty="0" smtClean="0">
@@ -3123,18 +3809,608 @@
                   <a:srgbClr val="00B0F0"/>
                 </a:solidFill>
               </a:rPr>
-              <a:t>Upgrader.Lib.dll</a:t>
-            </a:r>
-          </a:p>
-          <a:p>
-            <a:r>
-              <a:rPr lang="en-US" dirty="0" err="1" smtClean="0">
+              <a:t>Upgrader.exe.config</a:t>
+            </a:r>
+            <a:r>
+              <a:rPr lang="en-US" dirty="0" smtClean="0"/>
+              <a:t/>
+            </a:r>
+            <a:br>
+              <a:rPr lang="en-US" dirty="0" smtClean="0"/>
+            </a:br>
+            <a:endParaRPr lang="en-US" dirty="0"/>
+          </a:p>
+        </p:txBody>
+      </p:sp>
+      <p:sp>
+        <p:nvSpPr>
+          <p:cNvPr id="14" name="TextBox 13"/>
+          <p:cNvSpPr txBox="1"/>
+          <p:nvPr/>
+        </p:nvSpPr>
+        <p:spPr>
+          <a:xfrm>
+            <a:off x="5102785" y="1124528"/>
+            <a:ext cx="2551852" cy="369332"/>
+          </a:xfrm>
+          <a:prstGeom prst="rect">
+            <a:avLst/>
+          </a:prstGeom>
+          <a:noFill/>
+        </p:spPr>
+        <p:txBody>
+          <a:bodyPr wrap="none" rtlCol="0">
+            <a:spAutoFit/>
+          </a:bodyPr>
+          <a:lstStyle/>
+          <a:p>
+            <a:r>
+              <a:rPr lang="en-US" dirty="0" smtClean="0"/>
+              <a:t>C:\Program Files\MyApp</a:t>
+            </a:r>
+            <a:endParaRPr lang="en-US" dirty="0"/>
+          </a:p>
+        </p:txBody>
+      </p:sp>
+      <p:grpSp>
+        <p:nvGrpSpPr>
+          <p:cNvPr id="15" name="Group 14"/>
+          <p:cNvGrpSpPr/>
+          <p:nvPr/>
+        </p:nvGrpSpPr>
+        <p:grpSpPr>
+          <a:xfrm>
+            <a:off x="7157883" y="429966"/>
+            <a:ext cx="347297" cy="290386"/>
+            <a:chOff x="4022402" y="340793"/>
+            <a:chExt cx="550326" cy="489104"/>
+          </a:xfrm>
+        </p:grpSpPr>
+        <p:sp>
+          <p:nvSpPr>
+            <p:cNvPr id="16" name="Rectangle 15"/>
+            <p:cNvSpPr/>
+            <p:nvPr/>
+          </p:nvSpPr>
+          <p:spPr>
+            <a:xfrm>
+              <a:off x="4167993" y="340793"/>
+              <a:ext cx="404735" cy="389745"/>
+            </a:xfrm>
+            <a:prstGeom prst="rect">
+              <a:avLst/>
+            </a:prstGeom>
+          </p:spPr>
+          <p:style>
+            <a:lnRef idx="2">
+              <a:schemeClr val="accent2"/>
+            </a:lnRef>
+            <a:fillRef idx="1">
+              <a:schemeClr val="lt1"/>
+            </a:fillRef>
+            <a:effectRef idx="0">
+              <a:schemeClr val="accent2"/>
+            </a:effectRef>
+            <a:fontRef idx="minor">
+              <a:schemeClr val="dk1"/>
+            </a:fontRef>
+          </p:style>
+          <p:txBody>
+            <a:bodyPr rtlCol="0" anchor="ctr"/>
+            <a:lstStyle/>
+            <a:p>
+              <a:pPr algn="ctr"/>
+              <a:endParaRPr lang="en-US"/>
+            </a:p>
+          </p:txBody>
+        </p:sp>
+        <p:sp>
+          <p:nvSpPr>
+            <p:cNvPr id="17" name="Curved Up Arrow 16"/>
+            <p:cNvSpPr/>
+            <p:nvPr/>
+          </p:nvSpPr>
+          <p:spPr>
+            <a:xfrm>
+              <a:off x="4022402" y="631179"/>
+              <a:ext cx="291182" cy="198718"/>
+            </a:xfrm>
+            <a:prstGeom prst="curvedUpArrow">
+              <a:avLst/>
+            </a:prstGeom>
+          </p:spPr>
+          <p:style>
+            <a:lnRef idx="2">
+              <a:schemeClr val="accent2"/>
+            </a:lnRef>
+            <a:fillRef idx="1">
+              <a:schemeClr val="lt1"/>
+            </a:fillRef>
+            <a:effectRef idx="0">
+              <a:schemeClr val="accent2"/>
+            </a:effectRef>
+            <a:fontRef idx="minor">
+              <a:schemeClr val="dk1"/>
+            </a:fontRef>
+          </p:style>
+          <p:txBody>
+            <a:bodyPr rtlCol="0" anchor="ctr"/>
+            <a:lstStyle/>
+            <a:p>
+              <a:pPr algn="ctr"/>
+              <a:endParaRPr lang="en-US">
+                <a:solidFill>
+                  <a:schemeClr val="tx1"/>
+                </a:solidFill>
+              </a:endParaRPr>
+            </a:p>
+          </p:txBody>
+        </p:sp>
+      </p:grpSp>
+      <p:cxnSp>
+        <p:nvCxnSpPr>
+          <p:cNvPr id="19" name="Straight Arrow Connector 18"/>
+          <p:cNvCxnSpPr/>
+          <p:nvPr/>
+        </p:nvCxnSpPr>
+        <p:spPr>
+          <a:xfrm flipV="1">
+            <a:off x="3584020" y="2027501"/>
+            <a:ext cx="1696691" cy="11626"/>
+          </a:xfrm>
+          <a:prstGeom prst="straightConnector1">
+            <a:avLst/>
+          </a:prstGeom>
+          <a:ln>
+            <a:tailEnd type="triangle"/>
+          </a:ln>
+        </p:spPr>
+        <p:style>
+          <a:lnRef idx="3">
+            <a:schemeClr val="accent2"/>
+          </a:lnRef>
+          <a:fillRef idx="0">
+            <a:schemeClr val="accent2"/>
+          </a:fillRef>
+          <a:effectRef idx="2">
+            <a:schemeClr val="accent2"/>
+          </a:effectRef>
+          <a:fontRef idx="minor">
+            <a:schemeClr val="tx1"/>
+          </a:fontRef>
+        </p:style>
+      </p:cxnSp>
+      <p:sp>
+        <p:nvSpPr>
+          <p:cNvPr id="23" name="Freeform 22"/>
+          <p:cNvSpPr/>
+          <p:nvPr/>
+        </p:nvSpPr>
+        <p:spPr>
+          <a:xfrm flipH="1">
+            <a:off x="7399326" y="781019"/>
+            <a:ext cx="630229" cy="1252295"/>
+          </a:xfrm>
+          <a:custGeom>
+            <a:avLst/>
+            <a:gdLst>
+              <a:gd name="connsiteX0" fmla="*/ 639272 w 728285"/>
+              <a:gd name="connsiteY0" fmla="*/ 0 h 699844"/>
+              <a:gd name="connsiteX1" fmla="*/ 2 w 728285"/>
+              <a:gd name="connsiteY1" fmla="*/ 623087 h 699844"/>
+              <a:gd name="connsiteX2" fmla="*/ 631180 w 728285"/>
+              <a:gd name="connsiteY2" fmla="*/ 695915 h 699844"/>
+              <a:gd name="connsiteX3" fmla="*/ 663548 w 728285"/>
+              <a:gd name="connsiteY3" fmla="*/ 679731 h 699844"/>
+              <a:gd name="connsiteX4" fmla="*/ 728285 w 728285"/>
+              <a:gd name="connsiteY4" fmla="*/ 687823 h 699844"/>
+            </a:gdLst>
+            <a:ahLst/>
+            <a:cxnLst>
+              <a:cxn ang="0">
+                <a:pos x="connsiteX0" y="connsiteY0"/>
+              </a:cxn>
+              <a:cxn ang="0">
+                <a:pos x="connsiteX1" y="connsiteY1"/>
+              </a:cxn>
+              <a:cxn ang="0">
+                <a:pos x="connsiteX2" y="connsiteY2"/>
+              </a:cxn>
+              <a:cxn ang="0">
+                <a:pos x="connsiteX3" y="connsiteY3"/>
+              </a:cxn>
+              <a:cxn ang="0">
+                <a:pos x="connsiteX4" y="connsiteY4"/>
+              </a:cxn>
+            </a:cxnLst>
+            <a:rect l="l" t="t" r="r" b="b"/>
+            <a:pathLst>
+              <a:path w="728285" h="699844">
+                <a:moveTo>
+                  <a:pt x="639272" y="0"/>
+                </a:moveTo>
+                <a:cubicBezTo>
+                  <a:pt x="320311" y="253550"/>
+                  <a:pt x="1351" y="507101"/>
+                  <a:pt x="2" y="623087"/>
+                </a:cubicBezTo>
+                <a:cubicBezTo>
+                  <a:pt x="-1347" y="739073"/>
+                  <a:pt x="520589" y="686474"/>
+                  <a:pt x="631180" y="695915"/>
+                </a:cubicBezTo>
+                <a:cubicBezTo>
+                  <a:pt x="741771" y="705356"/>
+                  <a:pt x="647364" y="681080"/>
+                  <a:pt x="663548" y="679731"/>
+                </a:cubicBezTo>
+                <a:cubicBezTo>
+                  <a:pt x="679732" y="678382"/>
+                  <a:pt x="704008" y="683102"/>
+                  <a:pt x="728285" y="687823"/>
+                </a:cubicBezTo>
+              </a:path>
+            </a:pathLst>
+          </a:custGeom>
+          <a:ln>
+            <a:headEnd type="triangle"/>
+            <a:tailEnd type="oval"/>
+          </a:ln>
+        </p:spPr>
+        <p:style>
+          <a:lnRef idx="3">
+            <a:schemeClr val="accent2"/>
+          </a:lnRef>
+          <a:fillRef idx="0">
+            <a:schemeClr val="accent2"/>
+          </a:fillRef>
+          <a:effectRef idx="2">
+            <a:schemeClr val="accent2"/>
+          </a:effectRef>
+          <a:fontRef idx="minor">
+            <a:schemeClr val="tx1"/>
+          </a:fontRef>
+        </p:style>
+        <p:txBody>
+          <a:bodyPr rtlCol="0" anchor="ctr"/>
+          <a:lstStyle/>
+          <a:p>
+            <a:pPr algn="ctr"/>
+            <a:endParaRPr lang="en-US"/>
+          </a:p>
+        </p:txBody>
+      </p:sp>
+      <p:sp>
+        <p:nvSpPr>
+          <p:cNvPr id="26" name="Oval 25"/>
+          <p:cNvSpPr/>
+          <p:nvPr/>
+        </p:nvSpPr>
+        <p:spPr>
+          <a:xfrm>
+            <a:off x="4263845" y="1748116"/>
+            <a:ext cx="226060" cy="194209"/>
+          </a:xfrm>
+          <a:prstGeom prst="ellipse">
+            <a:avLst/>
+          </a:prstGeom>
+        </p:spPr>
+        <p:style>
+          <a:lnRef idx="0">
+            <a:schemeClr val="accent6"/>
+          </a:lnRef>
+          <a:fillRef idx="3">
+            <a:schemeClr val="accent6"/>
+          </a:fillRef>
+          <a:effectRef idx="3">
+            <a:schemeClr val="accent6"/>
+          </a:effectRef>
+          <a:fontRef idx="minor">
+            <a:schemeClr val="lt1"/>
+          </a:fontRef>
+        </p:style>
+        <p:txBody>
+          <a:bodyPr rtlCol="0" anchor="ctr"/>
+          <a:lstStyle/>
+          <a:p>
+            <a:pPr algn="ctr"/>
+            <a:r>
+              <a:rPr lang="en-US" sz="1200" dirty="0" smtClean="0"/>
+              <a:t>1</a:t>
+            </a:r>
+            <a:endParaRPr lang="en-US" sz="1200" dirty="0"/>
+          </a:p>
+        </p:txBody>
+      </p:sp>
+      <p:sp>
+        <p:nvSpPr>
+          <p:cNvPr id="27" name="Oval 26"/>
+          <p:cNvSpPr/>
+          <p:nvPr/>
+        </p:nvSpPr>
+        <p:spPr>
+          <a:xfrm>
+            <a:off x="7803495" y="526143"/>
+            <a:ext cx="226060" cy="194209"/>
+          </a:xfrm>
+          <a:prstGeom prst="ellipse">
+            <a:avLst/>
+          </a:prstGeom>
+        </p:spPr>
+        <p:style>
+          <a:lnRef idx="0">
+            <a:schemeClr val="accent6"/>
+          </a:lnRef>
+          <a:fillRef idx="3">
+            <a:schemeClr val="accent6"/>
+          </a:fillRef>
+          <a:effectRef idx="3">
+            <a:schemeClr val="accent6"/>
+          </a:effectRef>
+          <a:fontRef idx="minor">
+            <a:schemeClr val="lt1"/>
+          </a:fontRef>
+        </p:style>
+        <p:txBody>
+          <a:bodyPr rtlCol="0" anchor="ctr"/>
+          <a:lstStyle/>
+          <a:p>
+            <a:pPr algn="ctr"/>
+            <a:r>
+              <a:rPr lang="en-US" sz="1200" dirty="0" smtClean="0"/>
+              <a:t>2</a:t>
+            </a:r>
+            <a:endParaRPr lang="en-US" sz="1200" dirty="0"/>
+          </a:p>
+        </p:txBody>
+      </p:sp>
+    </p:spTree>
+    <p:extLst>
+      <p:ext uri="{BB962C8B-B14F-4D97-AF65-F5344CB8AC3E}">
+        <p14:creationId xmlns:p14="http://schemas.microsoft.com/office/powerpoint/2010/main" val="794675104"/>
+      </p:ext>
+    </p:extLst>
+  </p:cSld>
+  <p:clrMapOvr>
+    <a:masterClrMapping/>
+  </p:clrMapOvr>
+</p:sld>
+</file>
+
+<file path=ppt/slides/slide3.xml><?xml version="1.0" encoding="utf-8"?>
+<p:sld xmlns:a="http://schemas.openxmlformats.org/drawingml/2006/main" xmlns:r="http://schemas.openxmlformats.org/officeDocument/2006/relationships" xmlns:p="http://schemas.openxmlformats.org/presentationml/2006/main">
+  <p:cSld>
+    <p:spTree>
+      <p:nvGrpSpPr>
+        <p:cNvPr id="1" name=""/>
+        <p:cNvGrpSpPr/>
+        <p:nvPr/>
+      </p:nvGrpSpPr>
+      <p:grpSpPr>
+        <a:xfrm>
+          <a:off x="0" y="0"/>
+          <a:ext cx="0" cy="0"/>
+          <a:chOff x="0" y="0"/>
+          <a:chExt cx="0" cy="0"/>
+        </a:xfrm>
+      </p:grpSpPr>
+      <p:sp>
+        <p:nvSpPr>
+          <p:cNvPr id="2" name="Round Single Corner Rectangle 1"/>
+          <p:cNvSpPr/>
+          <p:nvPr/>
+        </p:nvSpPr>
+        <p:spPr>
+          <a:xfrm flipH="1">
+            <a:off x="1232061" y="1568439"/>
+            <a:ext cx="2172959" cy="2290047"/>
+          </a:xfrm>
+          <a:prstGeom prst="round1Rect">
+            <a:avLst/>
+          </a:prstGeom>
+        </p:spPr>
+        <p:style>
+          <a:lnRef idx="1">
+            <a:schemeClr val="accent1"/>
+          </a:lnRef>
+          <a:fillRef idx="2">
+            <a:schemeClr val="accent1"/>
+          </a:fillRef>
+          <a:effectRef idx="1">
+            <a:schemeClr val="accent1"/>
+          </a:effectRef>
+          <a:fontRef idx="minor">
+            <a:schemeClr val="dk1"/>
+          </a:fontRef>
+        </p:style>
+        <p:txBody>
+          <a:bodyPr rtlCol="0" anchor="ctr"/>
+          <a:lstStyle/>
+          <a:p>
+            <a:r>
+              <a:rPr lang="en-US" dirty="0">
+                <a:solidFill>
+                  <a:srgbClr val="00B0F0"/>
+                </a:solidFill>
+              </a:rPr>
+              <a:t>Upgrader.exe</a:t>
+            </a:r>
+            <a:br>
+              <a:rPr lang="en-US" dirty="0">
+                <a:solidFill>
+                  <a:srgbClr val="00B0F0"/>
+                </a:solidFill>
+              </a:rPr>
+            </a:br>
+            <a:r>
+              <a:rPr lang="en-US" dirty="0">
                 <a:solidFill>
                   <a:srgbClr val="00B0F0"/>
                 </a:solidFill>
               </a:rPr>
               <a:t>Upgrader.exe.config</a:t>
             </a:r>
+          </a:p>
+          <a:p>
+            <a:r>
+              <a:rPr lang="en-US" dirty="0" smtClean="0"/>
+              <a:t>MyApp.exe</a:t>
+            </a:r>
+            <a:endParaRPr lang="en-US" dirty="0" smtClean="0"/>
+          </a:p>
+          <a:p>
+            <a:r>
+              <a:rPr lang="en-US" dirty="0" smtClean="0"/>
+              <a:t>MyApp.dll</a:t>
+            </a:r>
+          </a:p>
+          <a:p>
+            <a:r>
+              <a:rPr lang="en-US" dirty="0" smtClean="0"/>
+              <a:t>…</a:t>
+            </a:r>
+          </a:p>
+          <a:p>
+            <a:r>
+              <a:rPr lang="en-US" dirty="0" smtClean="0"/>
+              <a:t>MyApp.txt</a:t>
+            </a:r>
+            <a:endParaRPr lang="en-US" dirty="0" smtClean="0"/>
+          </a:p>
+          <a:p>
+            <a:r>
+              <a:rPr lang="en-US" dirty="0" smtClean="0"/>
+              <a:t>Image.png</a:t>
+            </a:r>
+            <a:endParaRPr lang="en-US" dirty="0"/>
+          </a:p>
+        </p:txBody>
+      </p:sp>
+      <p:sp>
+        <p:nvSpPr>
+          <p:cNvPr id="3" name="TextBox 2"/>
+          <p:cNvSpPr txBox="1"/>
+          <p:nvPr/>
+        </p:nvSpPr>
+        <p:spPr>
+          <a:xfrm>
+            <a:off x="1071309" y="977721"/>
+            <a:ext cx="2494465" cy="369332"/>
+          </a:xfrm>
+          <a:prstGeom prst="rect">
+            <a:avLst/>
+          </a:prstGeom>
+          <a:noFill/>
+        </p:spPr>
+        <p:txBody>
+          <a:bodyPr wrap="none" rtlCol="0">
+            <a:spAutoFit/>
+          </a:bodyPr>
+          <a:lstStyle/>
+          <a:p>
+            <a:r>
+              <a:rPr lang="en-US" dirty="0" smtClean="0"/>
+              <a:t>\\Network\MyApp_base</a:t>
+            </a:r>
+            <a:endParaRPr lang="en-US" dirty="0"/>
+          </a:p>
+        </p:txBody>
+      </p:sp>
+      <p:sp>
+        <p:nvSpPr>
+          <p:cNvPr id="4" name="Round Single Corner Rectangle 3"/>
+          <p:cNvSpPr/>
+          <p:nvPr/>
+        </p:nvSpPr>
+        <p:spPr>
+          <a:xfrm flipH="1">
+            <a:off x="5459712" y="1568439"/>
+            <a:ext cx="2172959" cy="2290047"/>
+          </a:xfrm>
+          <a:prstGeom prst="round1Rect">
+            <a:avLst/>
+          </a:prstGeom>
+        </p:spPr>
+        <p:style>
+          <a:lnRef idx="1">
+            <a:schemeClr val="accent4"/>
+          </a:lnRef>
+          <a:fillRef idx="2">
+            <a:schemeClr val="accent4"/>
+          </a:fillRef>
+          <a:effectRef idx="1">
+            <a:schemeClr val="accent4"/>
+          </a:effectRef>
+          <a:fontRef idx="minor">
+            <a:schemeClr val="dk1"/>
+          </a:fontRef>
+        </p:style>
+        <p:txBody>
+          <a:bodyPr rtlCol="0" anchor="t"/>
+          <a:lstStyle/>
+          <a:p>
+            <a:endParaRPr lang="en-US" dirty="0" smtClean="0">
+              <a:solidFill>
+                <a:srgbClr val="00B0F0"/>
+              </a:solidFill>
+            </a:endParaRPr>
+          </a:p>
+          <a:p>
+            <a:r>
+              <a:rPr lang="en-US" dirty="0" smtClean="0">
+                <a:solidFill>
+                  <a:srgbClr val="00B0F0"/>
+                </a:solidFill>
+              </a:rPr>
+              <a:t>Upgrader.exe</a:t>
+            </a:r>
+            <a:br>
+              <a:rPr lang="en-US" dirty="0" smtClean="0">
+                <a:solidFill>
+                  <a:srgbClr val="00B0F0"/>
+                </a:solidFill>
+              </a:rPr>
+            </a:br>
+            <a:r>
+              <a:rPr lang="en-US" dirty="0" smtClean="0">
+                <a:solidFill>
+                  <a:srgbClr val="00B0F0"/>
+                </a:solidFill>
+              </a:rPr>
+              <a:t>Upgrader.exe.config</a:t>
+            </a:r>
+          </a:p>
+          <a:p>
+            <a:r>
+              <a:rPr lang="en-US" dirty="0"/>
+              <a:t>MyApp.exe</a:t>
+            </a:r>
+          </a:p>
+          <a:p>
+            <a:r>
+              <a:rPr lang="en-US" dirty="0"/>
+              <a:t>MyApp.dll</a:t>
+            </a:r>
+          </a:p>
+          <a:p>
+            <a:r>
+              <a:rPr lang="en-US" dirty="0"/>
+              <a:t>…</a:t>
+            </a:r>
+          </a:p>
+          <a:p>
+            <a:r>
+              <a:rPr lang="en-US" dirty="0"/>
+              <a:t>MyApp.txt</a:t>
+            </a:r>
+          </a:p>
+          <a:p>
+            <a:r>
+              <a:rPr lang="en-US" dirty="0"/>
+              <a:t>Image.png</a:t>
+            </a:r>
+          </a:p>
+          <a:p>
             <a:r>
               <a:rPr lang="en-US" dirty="0" smtClean="0"/>
               <a:t/>
@@ -3142,24 +4418,979 @@
             <a:br>
               <a:rPr lang="en-US" dirty="0" smtClean="0"/>
             </a:br>
+            <a:endParaRPr lang="en-US" dirty="0"/>
+          </a:p>
+        </p:txBody>
+      </p:sp>
+      <p:sp>
+        <p:nvSpPr>
+          <p:cNvPr id="5" name="TextBox 4"/>
+          <p:cNvSpPr txBox="1"/>
+          <p:nvPr/>
+        </p:nvSpPr>
+        <p:spPr>
+          <a:xfrm>
+            <a:off x="5477703" y="1130199"/>
+            <a:ext cx="2551852" cy="369332"/>
+          </a:xfrm>
+          <a:prstGeom prst="rect">
+            <a:avLst/>
+          </a:prstGeom>
+          <a:noFill/>
+        </p:spPr>
+        <p:txBody>
+          <a:bodyPr wrap="none" rtlCol="0">
+            <a:spAutoFit/>
+          </a:bodyPr>
+          <a:lstStyle/>
+          <a:p>
+            <a:r>
+              <a:rPr lang="en-US" dirty="0" smtClean="0"/>
+              <a:t>C:\Program Files\MyApp</a:t>
+            </a:r>
+            <a:endParaRPr lang="en-US" dirty="0"/>
+          </a:p>
+        </p:txBody>
+      </p:sp>
+      <p:grpSp>
+        <p:nvGrpSpPr>
+          <p:cNvPr id="6" name="Group 5"/>
+          <p:cNvGrpSpPr/>
+          <p:nvPr/>
+        </p:nvGrpSpPr>
+        <p:grpSpPr>
+          <a:xfrm>
+            <a:off x="5626608" y="422157"/>
+            <a:ext cx="347297" cy="290386"/>
+            <a:chOff x="4022402" y="340793"/>
+            <a:chExt cx="550326" cy="489104"/>
+          </a:xfrm>
+        </p:grpSpPr>
+        <p:sp>
+          <p:nvSpPr>
+            <p:cNvPr id="7" name="Rectangle 6"/>
+            <p:cNvSpPr/>
+            <p:nvPr/>
+          </p:nvSpPr>
+          <p:spPr>
+            <a:xfrm>
+              <a:off x="4167993" y="340793"/>
+              <a:ext cx="404735" cy="389745"/>
+            </a:xfrm>
+            <a:prstGeom prst="rect">
+              <a:avLst/>
+            </a:prstGeom>
+          </p:spPr>
+          <p:style>
+            <a:lnRef idx="2">
+              <a:schemeClr val="accent2"/>
+            </a:lnRef>
+            <a:fillRef idx="1">
+              <a:schemeClr val="lt1"/>
+            </a:fillRef>
+            <a:effectRef idx="0">
+              <a:schemeClr val="accent2"/>
+            </a:effectRef>
+            <a:fontRef idx="minor">
+              <a:schemeClr val="dk1"/>
+            </a:fontRef>
+          </p:style>
+          <p:txBody>
+            <a:bodyPr rtlCol="0" anchor="ctr"/>
+            <a:lstStyle/>
+            <a:p>
+              <a:pPr algn="ctr"/>
+              <a:endParaRPr lang="en-US"/>
+            </a:p>
+          </p:txBody>
+        </p:sp>
+        <p:sp>
+          <p:nvSpPr>
+            <p:cNvPr id="8" name="Curved Up Arrow 7"/>
+            <p:cNvSpPr/>
+            <p:nvPr/>
+          </p:nvSpPr>
+          <p:spPr>
+            <a:xfrm>
+              <a:off x="4022402" y="631179"/>
+              <a:ext cx="291182" cy="198718"/>
+            </a:xfrm>
+            <a:prstGeom prst="curvedUpArrow">
+              <a:avLst/>
+            </a:prstGeom>
+          </p:spPr>
+          <p:style>
+            <a:lnRef idx="2">
+              <a:schemeClr val="accent2"/>
+            </a:lnRef>
+            <a:fillRef idx="1">
+              <a:schemeClr val="lt1"/>
+            </a:fillRef>
+            <a:effectRef idx="0">
+              <a:schemeClr val="accent2"/>
+            </a:effectRef>
+            <a:fontRef idx="minor">
+              <a:schemeClr val="dk1"/>
+            </a:fontRef>
+          </p:style>
+          <p:txBody>
+            <a:bodyPr rtlCol="0" anchor="ctr"/>
+            <a:lstStyle/>
+            <a:p>
+              <a:pPr algn="ctr"/>
+              <a:endParaRPr lang="en-US">
+                <a:solidFill>
+                  <a:schemeClr val="tx1"/>
+                </a:solidFill>
+              </a:endParaRPr>
+            </a:p>
+          </p:txBody>
+        </p:sp>
+      </p:grpSp>
+      <p:cxnSp>
+        <p:nvCxnSpPr>
+          <p:cNvPr id="9" name="Straight Arrow Connector 8"/>
+          <p:cNvCxnSpPr/>
+          <p:nvPr/>
+        </p:nvCxnSpPr>
+        <p:spPr>
+          <a:xfrm flipV="1">
+            <a:off x="3584020" y="2960562"/>
+            <a:ext cx="1696691" cy="11626"/>
+          </a:xfrm>
+          <a:prstGeom prst="straightConnector1">
+            <a:avLst/>
+          </a:prstGeom>
+          <a:ln>
+            <a:tailEnd type="triangle"/>
+          </a:ln>
+        </p:spPr>
+        <p:style>
+          <a:lnRef idx="3">
+            <a:schemeClr val="accent2"/>
+          </a:lnRef>
+          <a:fillRef idx="0">
+            <a:schemeClr val="accent2"/>
+          </a:fillRef>
+          <a:effectRef idx="2">
+            <a:schemeClr val="accent2"/>
+          </a:effectRef>
+          <a:fontRef idx="minor">
+            <a:schemeClr val="tx1"/>
+          </a:fontRef>
+        </p:style>
+      </p:cxnSp>
+      <p:sp>
+        <p:nvSpPr>
+          <p:cNvPr id="10" name="Freeform 9"/>
+          <p:cNvSpPr/>
+          <p:nvPr/>
+        </p:nvSpPr>
+        <p:spPr>
+          <a:xfrm>
+            <a:off x="4950431" y="733127"/>
+            <a:ext cx="660559" cy="1252295"/>
+          </a:xfrm>
+          <a:custGeom>
+            <a:avLst/>
+            <a:gdLst>
+              <a:gd name="connsiteX0" fmla="*/ 639272 w 728285"/>
+              <a:gd name="connsiteY0" fmla="*/ 0 h 699844"/>
+              <a:gd name="connsiteX1" fmla="*/ 2 w 728285"/>
+              <a:gd name="connsiteY1" fmla="*/ 623087 h 699844"/>
+              <a:gd name="connsiteX2" fmla="*/ 631180 w 728285"/>
+              <a:gd name="connsiteY2" fmla="*/ 695915 h 699844"/>
+              <a:gd name="connsiteX3" fmla="*/ 663548 w 728285"/>
+              <a:gd name="connsiteY3" fmla="*/ 679731 h 699844"/>
+              <a:gd name="connsiteX4" fmla="*/ 728285 w 728285"/>
+              <a:gd name="connsiteY4" fmla="*/ 687823 h 699844"/>
+            </a:gdLst>
+            <a:ahLst/>
+            <a:cxnLst>
+              <a:cxn ang="0">
+                <a:pos x="connsiteX0" y="connsiteY0"/>
+              </a:cxn>
+              <a:cxn ang="0">
+                <a:pos x="connsiteX1" y="connsiteY1"/>
+              </a:cxn>
+              <a:cxn ang="0">
+                <a:pos x="connsiteX2" y="connsiteY2"/>
+              </a:cxn>
+              <a:cxn ang="0">
+                <a:pos x="connsiteX3" y="connsiteY3"/>
+              </a:cxn>
+              <a:cxn ang="0">
+                <a:pos x="connsiteX4" y="connsiteY4"/>
+              </a:cxn>
+            </a:cxnLst>
+            <a:rect l="l" t="t" r="r" b="b"/>
+            <a:pathLst>
+              <a:path w="728285" h="699844">
+                <a:moveTo>
+                  <a:pt x="639272" y="0"/>
+                </a:moveTo>
+                <a:cubicBezTo>
+                  <a:pt x="320311" y="253550"/>
+                  <a:pt x="1351" y="507101"/>
+                  <a:pt x="2" y="623087"/>
+                </a:cubicBezTo>
+                <a:cubicBezTo>
+                  <a:pt x="-1347" y="739073"/>
+                  <a:pt x="520589" y="686474"/>
+                  <a:pt x="631180" y="695915"/>
+                </a:cubicBezTo>
+                <a:cubicBezTo>
+                  <a:pt x="741771" y="705356"/>
+                  <a:pt x="647364" y="681080"/>
+                  <a:pt x="663548" y="679731"/>
+                </a:cubicBezTo>
+                <a:cubicBezTo>
+                  <a:pt x="679732" y="678382"/>
+                  <a:pt x="704008" y="683102"/>
+                  <a:pt x="728285" y="687823"/>
+                </a:cubicBezTo>
+              </a:path>
+            </a:pathLst>
+          </a:custGeom>
+          <a:ln>
+            <a:headEnd type="oval"/>
+            <a:tailEnd type="triangle"/>
+          </a:ln>
+        </p:spPr>
+        <p:style>
+          <a:lnRef idx="3">
+            <a:schemeClr val="accent2"/>
+          </a:lnRef>
+          <a:fillRef idx="0">
+            <a:schemeClr val="accent2"/>
+          </a:fillRef>
+          <a:effectRef idx="2">
+            <a:schemeClr val="accent2"/>
+          </a:effectRef>
+          <a:fontRef idx="minor">
+            <a:schemeClr val="tx1"/>
+          </a:fontRef>
+        </p:style>
+        <p:txBody>
+          <a:bodyPr rtlCol="0" anchor="ctr"/>
+          <a:lstStyle/>
+          <a:p>
+            <a:pPr algn="ctr"/>
+            <a:endParaRPr lang="en-US"/>
+          </a:p>
+        </p:txBody>
+      </p:sp>
+      <p:sp>
+        <p:nvSpPr>
+          <p:cNvPr id="11" name="Oval 10"/>
+          <p:cNvSpPr/>
+          <p:nvPr/>
+        </p:nvSpPr>
+        <p:spPr>
+          <a:xfrm>
+            <a:off x="4999728" y="497431"/>
+            <a:ext cx="226060" cy="194209"/>
+          </a:xfrm>
+          <a:prstGeom prst="ellipse">
+            <a:avLst/>
+          </a:prstGeom>
+        </p:spPr>
+        <p:style>
+          <a:lnRef idx="0">
+            <a:schemeClr val="accent6"/>
+          </a:lnRef>
+          <a:fillRef idx="3">
+            <a:schemeClr val="accent6"/>
+          </a:fillRef>
+          <a:effectRef idx="3">
+            <a:schemeClr val="accent6"/>
+          </a:effectRef>
+          <a:fontRef idx="minor">
+            <a:schemeClr val="lt1"/>
+          </a:fontRef>
+        </p:style>
+        <p:txBody>
+          <a:bodyPr rtlCol="0" anchor="ctr"/>
+          <a:lstStyle/>
+          <a:p>
+            <a:pPr algn="ctr"/>
+            <a:r>
+              <a:rPr lang="en-US" sz="1200" dirty="0" smtClean="0"/>
+              <a:t>1</a:t>
+            </a:r>
+            <a:endParaRPr lang="en-US" sz="1200" dirty="0"/>
+          </a:p>
+        </p:txBody>
+      </p:sp>
+      <p:sp>
+        <p:nvSpPr>
+          <p:cNvPr id="12" name="Oval 11"/>
+          <p:cNvSpPr/>
+          <p:nvPr/>
+        </p:nvSpPr>
+        <p:spPr>
+          <a:xfrm>
+            <a:off x="4285117" y="2519253"/>
+            <a:ext cx="226060" cy="194209"/>
+          </a:xfrm>
+          <a:prstGeom prst="ellipse">
+            <a:avLst/>
+          </a:prstGeom>
+        </p:spPr>
+        <p:style>
+          <a:lnRef idx="0">
+            <a:schemeClr val="accent6"/>
+          </a:lnRef>
+          <a:fillRef idx="3">
+            <a:schemeClr val="accent6"/>
+          </a:fillRef>
+          <a:effectRef idx="3">
+            <a:schemeClr val="accent6"/>
+          </a:effectRef>
+          <a:fontRef idx="minor">
+            <a:schemeClr val="lt1"/>
+          </a:fontRef>
+        </p:style>
+        <p:txBody>
+          <a:bodyPr rtlCol="0" anchor="ctr"/>
+          <a:lstStyle/>
+          <a:p>
+            <a:pPr algn="ctr"/>
+            <a:r>
+              <a:rPr lang="en-US" sz="1200" dirty="0" smtClean="0"/>
+              <a:t>2</a:t>
+            </a:r>
+            <a:endParaRPr lang="en-US" sz="1200" dirty="0"/>
+          </a:p>
+        </p:txBody>
+      </p:sp>
+      <p:sp>
+        <p:nvSpPr>
+          <p:cNvPr id="13" name="Freeform 12"/>
+          <p:cNvSpPr/>
+          <p:nvPr/>
+        </p:nvSpPr>
+        <p:spPr>
+          <a:xfrm flipH="1">
+            <a:off x="6939485" y="2055212"/>
+            <a:ext cx="1202467" cy="559261"/>
+          </a:xfrm>
+          <a:custGeom>
+            <a:avLst/>
+            <a:gdLst>
+              <a:gd name="connsiteX0" fmla="*/ 639272 w 728285"/>
+              <a:gd name="connsiteY0" fmla="*/ 0 h 699844"/>
+              <a:gd name="connsiteX1" fmla="*/ 2 w 728285"/>
+              <a:gd name="connsiteY1" fmla="*/ 623087 h 699844"/>
+              <a:gd name="connsiteX2" fmla="*/ 631180 w 728285"/>
+              <a:gd name="connsiteY2" fmla="*/ 695915 h 699844"/>
+              <a:gd name="connsiteX3" fmla="*/ 663548 w 728285"/>
+              <a:gd name="connsiteY3" fmla="*/ 679731 h 699844"/>
+              <a:gd name="connsiteX4" fmla="*/ 728285 w 728285"/>
+              <a:gd name="connsiteY4" fmla="*/ 687823 h 699844"/>
+            </a:gdLst>
+            <a:ahLst/>
+            <a:cxnLst>
+              <a:cxn ang="0">
+                <a:pos x="connsiteX0" y="connsiteY0"/>
+              </a:cxn>
+              <a:cxn ang="0">
+                <a:pos x="connsiteX1" y="connsiteY1"/>
+              </a:cxn>
+              <a:cxn ang="0">
+                <a:pos x="connsiteX2" y="connsiteY2"/>
+              </a:cxn>
+              <a:cxn ang="0">
+                <a:pos x="connsiteX3" y="connsiteY3"/>
+              </a:cxn>
+              <a:cxn ang="0">
+                <a:pos x="connsiteX4" y="connsiteY4"/>
+              </a:cxn>
+            </a:cxnLst>
+            <a:rect l="l" t="t" r="r" b="b"/>
+            <a:pathLst>
+              <a:path w="728285" h="699844">
+                <a:moveTo>
+                  <a:pt x="639272" y="0"/>
+                </a:moveTo>
+                <a:cubicBezTo>
+                  <a:pt x="320311" y="253550"/>
+                  <a:pt x="1351" y="507101"/>
+                  <a:pt x="2" y="623087"/>
+                </a:cubicBezTo>
+                <a:cubicBezTo>
+                  <a:pt x="-1347" y="739073"/>
+                  <a:pt x="520589" y="686474"/>
+                  <a:pt x="631180" y="695915"/>
+                </a:cubicBezTo>
+                <a:cubicBezTo>
+                  <a:pt x="741771" y="705356"/>
+                  <a:pt x="647364" y="681080"/>
+                  <a:pt x="663548" y="679731"/>
+                </a:cubicBezTo>
+                <a:cubicBezTo>
+                  <a:pt x="679732" y="678382"/>
+                  <a:pt x="704008" y="683102"/>
+                  <a:pt x="728285" y="687823"/>
+                </a:cubicBezTo>
+              </a:path>
+            </a:pathLst>
+          </a:custGeom>
+          <a:ln>
+            <a:headEnd type="oval"/>
+            <a:tailEnd type="triangle"/>
+          </a:ln>
+        </p:spPr>
+        <p:style>
+          <a:lnRef idx="3">
+            <a:schemeClr val="accent2"/>
+          </a:lnRef>
+          <a:fillRef idx="0">
+            <a:schemeClr val="accent2"/>
+          </a:fillRef>
+          <a:effectRef idx="2">
+            <a:schemeClr val="accent2"/>
+          </a:effectRef>
+          <a:fontRef idx="minor">
+            <a:schemeClr val="tx1"/>
+          </a:fontRef>
+        </p:style>
+        <p:txBody>
+          <a:bodyPr rtlCol="0" anchor="ctr"/>
+          <a:lstStyle/>
+          <a:p>
+            <a:pPr algn="ctr"/>
+            <a:endParaRPr lang="en-US"/>
+          </a:p>
+        </p:txBody>
+      </p:sp>
+      <p:sp>
+        <p:nvSpPr>
+          <p:cNvPr id="14" name="Oval 13"/>
+          <p:cNvSpPr/>
+          <p:nvPr/>
+        </p:nvSpPr>
+        <p:spPr>
+          <a:xfrm>
+            <a:off x="8355146" y="2422148"/>
+            <a:ext cx="226060" cy="194209"/>
+          </a:xfrm>
+          <a:prstGeom prst="ellipse">
+            <a:avLst/>
+          </a:prstGeom>
+        </p:spPr>
+        <p:style>
+          <a:lnRef idx="0">
+            <a:schemeClr val="accent6"/>
+          </a:lnRef>
+          <a:fillRef idx="3">
+            <a:schemeClr val="accent6"/>
+          </a:fillRef>
+          <a:effectRef idx="3">
+            <a:schemeClr val="accent6"/>
+          </a:effectRef>
+          <a:fontRef idx="minor">
+            <a:schemeClr val="lt1"/>
+          </a:fontRef>
+        </p:style>
+        <p:txBody>
+          <a:bodyPr rtlCol="0" anchor="ctr"/>
+          <a:lstStyle/>
+          <a:p>
+            <a:pPr algn="ctr"/>
+            <a:r>
+              <a:rPr lang="en-US" sz="1200" dirty="0" smtClean="0"/>
+              <a:t>3</a:t>
+            </a:r>
+            <a:endParaRPr lang="en-US" sz="1200" dirty="0"/>
+          </a:p>
+        </p:txBody>
+      </p:sp>
+      <p:sp>
+        <p:nvSpPr>
+          <p:cNvPr id="15" name="Oval 14"/>
+          <p:cNvSpPr/>
+          <p:nvPr/>
+        </p:nvSpPr>
+        <p:spPr>
+          <a:xfrm>
+            <a:off x="836648" y="4530804"/>
+            <a:ext cx="226060" cy="194209"/>
+          </a:xfrm>
+          <a:prstGeom prst="ellipse">
+            <a:avLst/>
+          </a:prstGeom>
+        </p:spPr>
+        <p:style>
+          <a:lnRef idx="0">
+            <a:schemeClr val="accent6"/>
+          </a:lnRef>
+          <a:fillRef idx="3">
+            <a:schemeClr val="accent6"/>
+          </a:fillRef>
+          <a:effectRef idx="3">
+            <a:schemeClr val="accent6"/>
+          </a:effectRef>
+          <a:fontRef idx="minor">
+            <a:schemeClr val="lt1"/>
+          </a:fontRef>
+        </p:style>
+        <p:txBody>
+          <a:bodyPr rtlCol="0" anchor="ctr"/>
+          <a:lstStyle/>
+          <a:p>
+            <a:pPr algn="ctr"/>
+            <a:r>
+              <a:rPr lang="en-US" sz="1200" dirty="0" smtClean="0"/>
+              <a:t>1</a:t>
+            </a:r>
+            <a:endParaRPr lang="en-US" sz="1200" dirty="0"/>
+          </a:p>
+        </p:txBody>
+      </p:sp>
+      <p:sp>
+        <p:nvSpPr>
+          <p:cNvPr id="16" name="TextBox 15"/>
+          <p:cNvSpPr txBox="1"/>
+          <p:nvPr/>
+        </p:nvSpPr>
+        <p:spPr>
+          <a:xfrm>
+            <a:off x="1077008" y="4474021"/>
+            <a:ext cx="7068616" cy="307777"/>
+          </a:xfrm>
+          <a:prstGeom prst="rect">
+            <a:avLst/>
+          </a:prstGeom>
+          <a:noFill/>
+        </p:spPr>
+        <p:txBody>
+          <a:bodyPr wrap="square" rtlCol="0">
+            <a:spAutoFit/>
+          </a:bodyPr>
+          <a:lstStyle/>
+          <a:p>
+            <a:r>
+              <a:rPr lang="en-US" sz="1400" dirty="0" smtClean="0"/>
+              <a:t>When user click on a shortcut</a:t>
+            </a:r>
+            <a:r>
+              <a:rPr lang="en-US" sz="1400" dirty="0" smtClean="0"/>
+              <a:t>, Upgrader.exe starts</a:t>
+            </a:r>
+            <a:r>
+              <a:rPr lang="en-US" sz="1400" dirty="0" smtClean="0"/>
+              <a:t>.</a:t>
+            </a:r>
+            <a:endParaRPr lang="en-US" sz="1400" dirty="0"/>
+          </a:p>
+        </p:txBody>
+      </p:sp>
+      <p:sp>
+        <p:nvSpPr>
+          <p:cNvPr id="17" name="Oval 16"/>
+          <p:cNvSpPr/>
+          <p:nvPr/>
+        </p:nvSpPr>
+        <p:spPr>
+          <a:xfrm>
+            <a:off x="836648" y="4908467"/>
+            <a:ext cx="226060" cy="194209"/>
+          </a:xfrm>
+          <a:prstGeom prst="ellipse">
+            <a:avLst/>
+          </a:prstGeom>
+        </p:spPr>
+        <p:style>
+          <a:lnRef idx="0">
+            <a:schemeClr val="accent6"/>
+          </a:lnRef>
+          <a:fillRef idx="3">
+            <a:schemeClr val="accent6"/>
+          </a:fillRef>
+          <a:effectRef idx="3">
+            <a:schemeClr val="accent6"/>
+          </a:effectRef>
+          <a:fontRef idx="minor">
+            <a:schemeClr val="lt1"/>
+          </a:fontRef>
+        </p:style>
+        <p:txBody>
+          <a:bodyPr rtlCol="0" anchor="ctr"/>
+          <a:lstStyle/>
+          <a:p>
+            <a:pPr algn="ctr"/>
+            <a:r>
+              <a:rPr lang="en-US" sz="1200" dirty="0" smtClean="0"/>
+              <a:t>2</a:t>
+            </a:r>
+            <a:endParaRPr lang="en-US" sz="1200" dirty="0"/>
+          </a:p>
+        </p:txBody>
+      </p:sp>
+      <p:sp>
+        <p:nvSpPr>
+          <p:cNvPr id="18" name="TextBox 17"/>
+          <p:cNvSpPr txBox="1"/>
+          <p:nvPr/>
+        </p:nvSpPr>
+        <p:spPr>
+          <a:xfrm>
+            <a:off x="1071309" y="4866974"/>
+            <a:ext cx="7515108" cy="307777"/>
+          </a:xfrm>
+          <a:prstGeom prst="rect">
+            <a:avLst/>
+          </a:prstGeom>
+          <a:noFill/>
+        </p:spPr>
+        <p:txBody>
+          <a:bodyPr wrap="square" rtlCol="0">
+            <a:spAutoFit/>
+          </a:bodyPr>
+          <a:lstStyle/>
+          <a:p>
+            <a:r>
+              <a:rPr lang="en-US" sz="1400" dirty="0" smtClean="0"/>
+              <a:t>Upgrader discover </a:t>
+            </a:r>
+            <a:r>
+              <a:rPr lang="en-US" sz="1400" dirty="0" smtClean="0"/>
+              <a:t>‘new’ application files in the base directory and copies them over.</a:t>
+            </a:r>
+            <a:endParaRPr lang="en-US" sz="1400" dirty="0"/>
+          </a:p>
+        </p:txBody>
+      </p:sp>
+      <p:sp>
+        <p:nvSpPr>
+          <p:cNvPr id="19" name="TextBox 18"/>
+          <p:cNvSpPr txBox="1"/>
+          <p:nvPr/>
+        </p:nvSpPr>
+        <p:spPr>
+          <a:xfrm>
+            <a:off x="1077008" y="5259926"/>
+            <a:ext cx="7515108" cy="307777"/>
+          </a:xfrm>
+          <a:prstGeom prst="rect">
+            <a:avLst/>
+          </a:prstGeom>
+          <a:noFill/>
+        </p:spPr>
+        <p:txBody>
+          <a:bodyPr wrap="square" rtlCol="0">
+            <a:spAutoFit/>
+          </a:bodyPr>
+          <a:lstStyle/>
+          <a:p>
+            <a:r>
+              <a:rPr lang="en-US" sz="1400" dirty="0" smtClean="0"/>
+              <a:t>When copy is finished, Upgrader starts MyApp.exe</a:t>
+            </a:r>
+            <a:endParaRPr lang="en-US" sz="1400" dirty="0"/>
+          </a:p>
+        </p:txBody>
+      </p:sp>
+      <p:sp>
+        <p:nvSpPr>
+          <p:cNvPr id="20" name="Oval 19"/>
+          <p:cNvSpPr/>
+          <p:nvPr/>
+        </p:nvSpPr>
+        <p:spPr>
+          <a:xfrm>
+            <a:off x="836648" y="5286129"/>
+            <a:ext cx="226060" cy="194209"/>
+          </a:xfrm>
+          <a:prstGeom prst="ellipse">
+            <a:avLst/>
+          </a:prstGeom>
+        </p:spPr>
+        <p:style>
+          <a:lnRef idx="0">
+            <a:schemeClr val="accent6"/>
+          </a:lnRef>
+          <a:fillRef idx="3">
+            <a:schemeClr val="accent6"/>
+          </a:fillRef>
+          <a:effectRef idx="3">
+            <a:schemeClr val="accent6"/>
+          </a:effectRef>
+          <a:fontRef idx="minor">
+            <a:schemeClr val="lt1"/>
+          </a:fontRef>
+        </p:style>
+        <p:txBody>
+          <a:bodyPr rtlCol="0" anchor="ctr"/>
+          <a:lstStyle/>
+          <a:p>
+            <a:pPr algn="ctr"/>
+            <a:r>
+              <a:rPr lang="en-US" sz="1200" dirty="0"/>
+              <a:t>3</a:t>
+            </a:r>
+            <a:endParaRPr lang="en-US" sz="1200" dirty="0"/>
+          </a:p>
+        </p:txBody>
+      </p:sp>
+    </p:spTree>
+    <p:extLst>
+      <p:ext uri="{BB962C8B-B14F-4D97-AF65-F5344CB8AC3E}">
+        <p14:creationId xmlns:p14="http://schemas.microsoft.com/office/powerpoint/2010/main" val="3582953170"/>
+      </p:ext>
+    </p:extLst>
+  </p:cSld>
+  <p:clrMapOvr>
+    <a:masterClrMapping/>
+  </p:clrMapOvr>
+</p:sld>
+</file>
+
+<file path=ppt/slides/slide4.xml><?xml version="1.0" encoding="utf-8"?>
+<p:sld xmlns:a="http://schemas.openxmlformats.org/drawingml/2006/main" xmlns:r="http://schemas.openxmlformats.org/officeDocument/2006/relationships" xmlns:p="http://schemas.openxmlformats.org/presentationml/2006/main">
+  <p:cSld>
+    <p:spTree>
+      <p:nvGrpSpPr>
+        <p:cNvPr id="1" name=""/>
+        <p:cNvGrpSpPr/>
+        <p:nvPr/>
+      </p:nvGrpSpPr>
+      <p:grpSpPr>
+        <a:xfrm>
+          <a:off x="0" y="0"/>
+          <a:ext cx="0" cy="0"/>
+          <a:chOff x="0" y="0"/>
+          <a:chExt cx="0" cy="0"/>
+        </a:xfrm>
+      </p:grpSpPr>
+      <p:sp>
+        <p:nvSpPr>
+          <p:cNvPr id="2" name="Round Single Corner Rectangle 1"/>
+          <p:cNvSpPr/>
+          <p:nvPr/>
+        </p:nvSpPr>
+        <p:spPr>
+          <a:xfrm flipH="1">
+            <a:off x="1234825" y="1643675"/>
+            <a:ext cx="2172959" cy="2290047"/>
+          </a:xfrm>
+          <a:prstGeom prst="round1Rect">
+            <a:avLst/>
+          </a:prstGeom>
+        </p:spPr>
+        <p:style>
+          <a:lnRef idx="1">
+            <a:schemeClr val="accent1"/>
+          </a:lnRef>
+          <a:fillRef idx="2">
+            <a:schemeClr val="accent1"/>
+          </a:fillRef>
+          <a:effectRef idx="1">
+            <a:schemeClr val="accent1"/>
+          </a:effectRef>
+          <a:fontRef idx="minor">
+            <a:schemeClr val="dk1"/>
+          </a:fontRef>
+        </p:style>
+        <p:txBody>
+          <a:bodyPr rtlCol="0" anchor="t"/>
+          <a:lstStyle/>
+          <a:p>
+            <a:r>
+              <a:rPr lang="en-US" dirty="0">
+                <a:solidFill>
+                  <a:srgbClr val="00B0F0"/>
+                </a:solidFill>
+              </a:rPr>
+              <a:t>Upgrader.exe</a:t>
+            </a:r>
+            <a:br>
+              <a:rPr lang="en-US" dirty="0">
+                <a:solidFill>
+                  <a:srgbClr val="00B0F0"/>
+                </a:solidFill>
+              </a:rPr>
+            </a:br>
+            <a:r>
+              <a:rPr lang="en-US" dirty="0">
+                <a:solidFill>
+                  <a:srgbClr val="00B0F0"/>
+                </a:solidFill>
+              </a:rPr>
+              <a:t>Upgrader.exe.config</a:t>
+            </a:r>
+          </a:p>
+          <a:p>
             <a:r>
               <a:rPr lang="en-US" dirty="0" smtClean="0"/>
               <a:t>MyApp.exe</a:t>
             </a:r>
+            <a:endParaRPr lang="en-US" dirty="0"/>
           </a:p>
           <a:p>
             <a:r>
               <a:rPr lang="en-US" dirty="0" smtClean="0"/>
-              <a:t>MyApp.dll</a:t>
+              <a:t>MyApp.dll*</a:t>
+            </a:r>
+            <a:endParaRPr lang="en-US" dirty="0"/>
+          </a:p>
+          <a:p>
+            <a:r>
+              <a:rPr lang="en-US" dirty="0"/>
+              <a:t>…</a:t>
             </a:r>
           </a:p>
           <a:p>
             <a:r>
               <a:rPr lang="en-US" dirty="0" smtClean="0"/>
+              <a:t>MyApp.txt</a:t>
+            </a:r>
+            <a:endParaRPr lang="en-US" dirty="0"/>
+          </a:p>
+          <a:p>
+            <a:r>
+              <a:rPr lang="en-US" dirty="0" smtClean="0"/>
+              <a:t>Image.png*</a:t>
+            </a:r>
+            <a:endParaRPr lang="en-US" dirty="0"/>
+          </a:p>
+          <a:p>
+            <a:endParaRPr lang="en-US" dirty="0"/>
+          </a:p>
+        </p:txBody>
+      </p:sp>
+      <p:sp>
+        <p:nvSpPr>
+          <p:cNvPr id="3" name="TextBox 2"/>
+          <p:cNvSpPr txBox="1"/>
+          <p:nvPr/>
+        </p:nvSpPr>
+        <p:spPr>
+          <a:xfrm>
+            <a:off x="688908" y="1043872"/>
+            <a:ext cx="2494465" cy="369332"/>
+          </a:xfrm>
+          <a:prstGeom prst="rect">
+            <a:avLst/>
+          </a:prstGeom>
+          <a:noFill/>
+        </p:spPr>
+        <p:txBody>
+          <a:bodyPr wrap="none" rtlCol="0">
+            <a:spAutoFit/>
+          </a:bodyPr>
+          <a:lstStyle/>
+          <a:p>
+            <a:r>
+              <a:rPr lang="en-US" dirty="0" smtClean="0"/>
+              <a:t>\\Network\MyApp_base</a:t>
+            </a:r>
+            <a:endParaRPr lang="en-US" dirty="0"/>
+          </a:p>
+        </p:txBody>
+      </p:sp>
+      <p:sp>
+        <p:nvSpPr>
+          <p:cNvPr id="9" name="Round Single Corner Rectangle 8"/>
+          <p:cNvSpPr/>
+          <p:nvPr/>
+        </p:nvSpPr>
+        <p:spPr>
+          <a:xfrm flipH="1">
+            <a:off x="5233135" y="1643675"/>
+            <a:ext cx="2172959" cy="2290047"/>
+          </a:xfrm>
+          <a:prstGeom prst="round1Rect">
+            <a:avLst/>
+          </a:prstGeom>
+        </p:spPr>
+        <p:style>
+          <a:lnRef idx="1">
+            <a:schemeClr val="accent4"/>
+          </a:lnRef>
+          <a:fillRef idx="2">
+            <a:schemeClr val="accent4"/>
+          </a:fillRef>
+          <a:effectRef idx="1">
+            <a:schemeClr val="accent4"/>
+          </a:effectRef>
+          <a:fontRef idx="minor">
+            <a:schemeClr val="dk1"/>
+          </a:fontRef>
+        </p:style>
+        <p:txBody>
+          <a:bodyPr rtlCol="0" anchor="t"/>
+          <a:lstStyle/>
+          <a:p>
+            <a:r>
+              <a:rPr lang="en-US" dirty="0" smtClean="0">
+                <a:solidFill>
+                  <a:srgbClr val="00B0F0"/>
+                </a:solidFill>
+              </a:rPr>
+              <a:t>Upgrader.exe</a:t>
+            </a:r>
+            <a:r>
+              <a:rPr lang="en-US" dirty="0" smtClean="0">
+                <a:solidFill>
+                  <a:srgbClr val="00B0F0"/>
+                </a:solidFill>
+              </a:rPr>
+              <a:t/>
+            </a:r>
+            <a:br>
+              <a:rPr lang="en-US" dirty="0" smtClean="0">
+                <a:solidFill>
+                  <a:srgbClr val="00B0F0"/>
+                </a:solidFill>
+              </a:rPr>
+            </a:br>
+            <a:r>
+              <a:rPr lang="en-US" dirty="0" smtClean="0">
+                <a:solidFill>
+                  <a:srgbClr val="00B0F0"/>
+                </a:solidFill>
+              </a:rPr>
+              <a:t>Upgrader.exe.config</a:t>
+            </a:r>
+            <a:r>
+              <a:rPr lang="en-US" dirty="0" smtClean="0"/>
+              <a:t/>
+            </a:r>
+            <a:br>
+              <a:rPr lang="en-US" dirty="0" smtClean="0"/>
+            </a:br>
+            <a:r>
+              <a:rPr lang="en-US" dirty="0" smtClean="0"/>
+              <a:t>MyApp.exe</a:t>
+            </a:r>
+            <a:endParaRPr lang="en-US" dirty="0"/>
+          </a:p>
+          <a:p>
+            <a:r>
+              <a:rPr lang="en-US" dirty="0"/>
+              <a:t>MyApp.dll*</a:t>
+            </a:r>
+          </a:p>
+          <a:p>
+            <a:r>
+              <a:rPr lang="en-US" dirty="0"/>
               <a:t>…</a:t>
             </a:r>
           </a:p>
           <a:p>
+            <a:r>
+              <a:rPr lang="en-US" dirty="0" smtClean="0"/>
+              <a:t>MyApp.txt</a:t>
+            </a:r>
+            <a:endParaRPr lang="en-US" dirty="0"/>
+          </a:p>
+          <a:p>
+            <a:r>
+              <a:rPr lang="en-US" dirty="0" smtClean="0"/>
+              <a:t>Image.png*</a:t>
+            </a:r>
             <a:endParaRPr lang="en-US" dirty="0"/>
           </a:p>
         </p:txBody>
@@ -3291,82 +5522,16 @@
           </p:txBody>
         </p:sp>
       </p:grpSp>
-      <p:cxnSp>
-        <p:nvCxnSpPr>
-          <p:cNvPr id="29" name="Straight Arrow Connector 28"/>
-          <p:cNvCxnSpPr/>
-          <p:nvPr/>
-        </p:nvCxnSpPr>
-        <p:spPr>
-          <a:xfrm flipH="1">
-            <a:off x="2152483" y="2182118"/>
-            <a:ext cx="3183141" cy="163654"/>
-          </a:xfrm>
-          <a:prstGeom prst="straightConnector1">
-            <a:avLst/>
-          </a:prstGeom>
-          <a:ln>
-            <a:tailEnd type="triangle"/>
-          </a:ln>
-        </p:spPr>
-        <p:style>
-          <a:lnRef idx="3">
-            <a:schemeClr val="accent6"/>
-          </a:lnRef>
-          <a:fillRef idx="0">
-            <a:schemeClr val="accent6"/>
-          </a:fillRef>
-          <a:effectRef idx="2">
-            <a:schemeClr val="accent6"/>
-          </a:effectRef>
-          <a:fontRef idx="minor">
-            <a:schemeClr val="tx1"/>
-          </a:fontRef>
-        </p:style>
-      </p:cxnSp>
-      <p:cxnSp>
-        <p:nvCxnSpPr>
-          <p:cNvPr id="33" name="Straight Arrow Connector 32"/>
-          <p:cNvCxnSpPr/>
-          <p:nvPr/>
-        </p:nvCxnSpPr>
-        <p:spPr>
-          <a:xfrm>
-            <a:off x="2152481" y="3463391"/>
-            <a:ext cx="3252996" cy="234669"/>
-          </a:xfrm>
-          <a:prstGeom prst="straightConnector1">
-            <a:avLst/>
-          </a:prstGeom>
-          <a:ln>
-            <a:tailEnd type="triangle"/>
-          </a:ln>
-        </p:spPr>
-        <p:style>
-          <a:lnRef idx="3">
-            <a:schemeClr val="accent6"/>
-          </a:lnRef>
-          <a:fillRef idx="0">
-            <a:schemeClr val="accent6"/>
-          </a:fillRef>
-          <a:effectRef idx="2">
-            <a:schemeClr val="accent6"/>
-          </a:effectRef>
-          <a:fontRef idx="minor">
-            <a:schemeClr val="tx1"/>
-          </a:fontRef>
-        </p:style>
-      </p:cxnSp>
-      <p:sp>
-        <p:nvSpPr>
-          <p:cNvPr id="58" name="Freeform 57"/>
+      <p:sp>
+        <p:nvSpPr>
+          <p:cNvPr id="59" name="Freeform 58"/>
           <p:cNvSpPr/>
           <p:nvPr/>
         </p:nvSpPr>
         <p:spPr>
           <a:xfrm>
-            <a:off x="4701471" y="2257678"/>
-            <a:ext cx="728285" cy="699844"/>
+            <a:off x="4582055" y="886204"/>
+            <a:ext cx="811832" cy="990359"/>
           </a:xfrm>
           <a:custGeom>
             <a:avLst/>
@@ -3458,112 +5623,13 @@
       </p:sp>
       <p:sp>
         <p:nvSpPr>
-          <p:cNvPr id="59" name="Freeform 58"/>
+          <p:cNvPr id="64" name="Oval 63"/>
           <p:cNvSpPr/>
           <p:nvPr/>
         </p:nvSpPr>
         <p:spPr>
           <a:xfrm>
-            <a:off x="4582055" y="886204"/>
-            <a:ext cx="775351" cy="1215311"/>
-          </a:xfrm>
-          <a:custGeom>
-            <a:avLst/>
-            <a:gdLst>
-              <a:gd name="connsiteX0" fmla="*/ 639272 w 728285"/>
-              <a:gd name="connsiteY0" fmla="*/ 0 h 699844"/>
-              <a:gd name="connsiteX1" fmla="*/ 2 w 728285"/>
-              <a:gd name="connsiteY1" fmla="*/ 623087 h 699844"/>
-              <a:gd name="connsiteX2" fmla="*/ 631180 w 728285"/>
-              <a:gd name="connsiteY2" fmla="*/ 695915 h 699844"/>
-              <a:gd name="connsiteX3" fmla="*/ 663548 w 728285"/>
-              <a:gd name="connsiteY3" fmla="*/ 679731 h 699844"/>
-              <a:gd name="connsiteX4" fmla="*/ 728285 w 728285"/>
-              <a:gd name="connsiteY4" fmla="*/ 687823 h 699844"/>
-            </a:gdLst>
-            <a:ahLst/>
-            <a:cxnLst>
-              <a:cxn ang="0">
-                <a:pos x="connsiteX0" y="connsiteY0"/>
-              </a:cxn>
-              <a:cxn ang="0">
-                <a:pos x="connsiteX1" y="connsiteY1"/>
-              </a:cxn>
-              <a:cxn ang="0">
-                <a:pos x="connsiteX2" y="connsiteY2"/>
-              </a:cxn>
-              <a:cxn ang="0">
-                <a:pos x="connsiteX3" y="connsiteY3"/>
-              </a:cxn>
-              <a:cxn ang="0">
-                <a:pos x="connsiteX4" y="connsiteY4"/>
-              </a:cxn>
-            </a:cxnLst>
-            <a:rect l="l" t="t" r="r" b="b"/>
-            <a:pathLst>
-              <a:path w="728285" h="699844">
-                <a:moveTo>
-                  <a:pt x="639272" y="0"/>
-                </a:moveTo>
-                <a:cubicBezTo>
-                  <a:pt x="320311" y="253550"/>
-                  <a:pt x="1351" y="507101"/>
-                  <a:pt x="2" y="623087"/>
-                </a:cubicBezTo>
-                <a:cubicBezTo>
-                  <a:pt x="-1347" y="739073"/>
-                  <a:pt x="520589" y="686474"/>
-                  <a:pt x="631180" y="695915"/>
-                </a:cubicBezTo>
-                <a:cubicBezTo>
-                  <a:pt x="741771" y="705356"/>
-                  <a:pt x="647364" y="681080"/>
-                  <a:pt x="663548" y="679731"/>
-                </a:cubicBezTo>
-                <a:cubicBezTo>
-                  <a:pt x="679732" y="678382"/>
-                  <a:pt x="704008" y="683102"/>
-                  <a:pt x="728285" y="687823"/>
-                </a:cubicBezTo>
-              </a:path>
-            </a:pathLst>
-          </a:custGeom>
-          <a:ln>
-            <a:tailEnd type="triangle"/>
-          </a:ln>
-        </p:spPr>
-        <p:style>
-          <a:lnRef idx="3">
-            <a:schemeClr val="accent6"/>
-          </a:lnRef>
-          <a:fillRef idx="0">
-            <a:schemeClr val="accent6"/>
-          </a:fillRef>
-          <a:effectRef idx="2">
-            <a:schemeClr val="accent6"/>
-          </a:effectRef>
-          <a:fontRef idx="minor">
-            <a:schemeClr val="tx1"/>
-          </a:fontRef>
-        </p:style>
-        <p:txBody>
-          <a:bodyPr rtlCol="0" anchor="ctr"/>
-          <a:lstStyle/>
-          <a:p>
-            <a:pPr algn="ctr"/>
-            <a:endParaRPr lang="en-US"/>
-          </a:p>
-        </p:txBody>
-      </p:sp>
-      <p:sp>
-        <p:nvSpPr>
-          <p:cNvPr id="62" name="Oval 61"/>
-          <p:cNvSpPr/>
-          <p:nvPr/>
-        </p:nvSpPr>
-        <p:spPr>
-          <a:xfrm>
-            <a:off x="4834992" y="395127"/>
+            <a:off x="4119595" y="2318217"/>
             <a:ext cx="226060" cy="194209"/>
           </a:xfrm>
           <a:prstGeom prst="ellipse">
@@ -3591,7 +5657,7 @@
             <a:pPr algn="ctr"/>
             <a:r>
               <a:rPr lang="en-US" sz="1200" dirty="0" smtClean="0"/>
-              <a:t>1</a:t>
+              <a:t>3</a:t>
             </a:r>
             <a:endParaRPr lang="en-US" sz="1200" dirty="0"/>
           </a:p>
@@ -3599,13 +5665,13 @@
       </p:sp>
       <p:sp>
         <p:nvSpPr>
-          <p:cNvPr id="63" name="Oval 62"/>
+          <p:cNvPr id="65" name="Oval 64"/>
           <p:cNvSpPr/>
           <p:nvPr/>
         </p:nvSpPr>
         <p:spPr>
           <a:xfrm>
-            <a:off x="4828863" y="1850503"/>
+            <a:off x="789514" y="2318217"/>
             <a:ext cx="226060" cy="194209"/>
           </a:xfrm>
           <a:prstGeom prst="ellipse">
@@ -3641,13 +5707,13 @@
       </p:sp>
       <p:sp>
         <p:nvSpPr>
-          <p:cNvPr id="64" name="Oval 63"/>
+          <p:cNvPr id="66" name="Oval 65"/>
           <p:cNvSpPr/>
           <p:nvPr/>
         </p:nvSpPr>
         <p:spPr>
           <a:xfrm>
-            <a:off x="2214521" y="2710372"/>
+            <a:off x="850948" y="4530804"/>
             <a:ext cx="226060" cy="194209"/>
           </a:xfrm>
           <a:prstGeom prst="ellipse">
@@ -3674,8 +5740,8 @@
           <a:p>
             <a:pPr algn="ctr"/>
             <a:r>
-              <a:rPr lang="en-US" sz="1200" dirty="0"/>
-              <a:t>3</a:t>
+              <a:rPr lang="en-US" sz="1200" dirty="0" smtClean="0"/>
+              <a:t>1</a:t>
             </a:r>
             <a:endParaRPr lang="en-US" sz="1200" dirty="0"/>
           </a:p>
@@ -3683,13 +5749,95 @@
       </p:sp>
       <p:sp>
         <p:nvSpPr>
-          <p:cNvPr id="65" name="Oval 64"/>
+          <p:cNvPr id="67" name="TextBox 66"/>
+          <p:cNvSpPr txBox="1"/>
+          <p:nvPr/>
+        </p:nvSpPr>
+        <p:spPr>
+          <a:xfrm>
+            <a:off x="1077008" y="4474021"/>
+            <a:ext cx="6863343" cy="738664"/>
+          </a:xfrm>
+          <a:prstGeom prst="rect">
+            <a:avLst/>
+          </a:prstGeom>
+          <a:noFill/>
+        </p:spPr>
+        <p:txBody>
+          <a:bodyPr wrap="square" rtlCol="0">
+            <a:spAutoFit/>
+          </a:bodyPr>
+          <a:lstStyle/>
+          <a:p>
+            <a:r>
+              <a:rPr lang="en-US" sz="1400" dirty="0" smtClean="0"/>
+              <a:t>Each time Upgrader starts it compares local </a:t>
+            </a:r>
+            <a:r>
+              <a:rPr lang="en-US" sz="1400" dirty="0" smtClean="0"/>
+              <a:t>file dates with files </a:t>
+            </a:r>
+            <a:r>
+              <a:rPr lang="en-US" sz="1400" dirty="0" smtClean="0"/>
+              <a:t>in the base </a:t>
+            </a:r>
+            <a:r>
+              <a:rPr lang="en-US" sz="1400" dirty="0"/>
+              <a:t>directory. If no new files found, it just start MyApp.exe.</a:t>
+            </a:r>
+          </a:p>
+          <a:p>
+            <a:r>
+              <a:rPr lang="en-US" sz="1400" dirty="0" smtClean="0"/>
+              <a:t> </a:t>
+            </a:r>
+            <a:endParaRPr lang="en-US" sz="1400" dirty="0"/>
+          </a:p>
+        </p:txBody>
+      </p:sp>
+      <p:sp>
+        <p:nvSpPr>
+          <p:cNvPr id="71" name="TextBox 70"/>
+          <p:cNvSpPr txBox="1"/>
+          <p:nvPr/>
+        </p:nvSpPr>
+        <p:spPr>
+          <a:xfrm>
+            <a:off x="1071309" y="4953442"/>
+            <a:ext cx="7515108" cy="307777"/>
+          </a:xfrm>
+          <a:prstGeom prst="rect">
+            <a:avLst/>
+          </a:prstGeom>
+          <a:noFill/>
+        </p:spPr>
+        <p:txBody>
+          <a:bodyPr wrap="square" rtlCol="0">
+            <a:spAutoFit/>
+          </a:bodyPr>
+          <a:lstStyle/>
+          <a:p>
+            <a:r>
+              <a:rPr lang="en-US" sz="1400" dirty="0" smtClean="0"/>
+              <a:t>As soon as newer versions of the files has been posted to the </a:t>
+            </a:r>
+            <a:r>
+              <a:rPr lang="en-US" sz="1400" dirty="0" smtClean="0"/>
+              <a:t>application base,</a:t>
+            </a:r>
+            <a:endParaRPr lang="en-US" sz="1400" dirty="0"/>
+          </a:p>
+        </p:txBody>
+      </p:sp>
+      <p:sp>
+        <p:nvSpPr>
+          <p:cNvPr id="72" name="Oval 71"/>
           <p:cNvSpPr/>
           <p:nvPr/>
         </p:nvSpPr>
         <p:spPr>
           <a:xfrm>
-            <a:off x="4828863" y="3033082"/>
+            <a:off x="845249" y="5000032"/>
             <a:ext cx="226060" cy="194209"/>
           </a:xfrm>
           <a:prstGeom prst="ellipse">
@@ -3716,8 +5864,8 @@
           <a:p>
             <a:pPr algn="ctr"/>
             <a:r>
-              <a:rPr lang="en-US" sz="1200" dirty="0"/>
-              <a:t>4</a:t>
+              <a:rPr lang="en-US" sz="1200" dirty="0" smtClean="0"/>
+              <a:t>2</a:t>
             </a:r>
             <a:endParaRPr lang="en-US" sz="1200" dirty="0"/>
           </a:p>
@@ -3725,13 +5873,13 @@
       </p:sp>
       <p:sp>
         <p:nvSpPr>
-          <p:cNvPr id="66" name="Oval 65"/>
+          <p:cNvPr id="73" name="Oval 72"/>
           <p:cNvSpPr/>
           <p:nvPr/>
         </p:nvSpPr>
         <p:spPr>
           <a:xfrm>
-            <a:off x="850948" y="4530804"/>
+            <a:off x="845249" y="5366619"/>
             <a:ext cx="226060" cy="194209"/>
           </a:xfrm>
           <a:prstGeom prst="ellipse">
@@ -3759,7 +5907,7 @@
             <a:pPr algn="ctr"/>
             <a:r>
               <a:rPr lang="en-US" sz="1200" dirty="0" smtClean="0"/>
-              <a:t>1</a:t>
+              <a:t>3</a:t>
             </a:r>
             <a:endParaRPr lang="en-US" sz="1200" dirty="0"/>
           </a:p>
@@ -3767,14 +5915,14 @@
       </p:sp>
       <p:sp>
         <p:nvSpPr>
-          <p:cNvPr id="67" name="TextBox 66"/>
+          <p:cNvPr id="74" name="TextBox 73"/>
           <p:cNvSpPr txBox="1"/>
           <p:nvPr/>
         </p:nvSpPr>
         <p:spPr>
           <a:xfrm>
-            <a:off x="1077008" y="4474021"/>
-            <a:ext cx="5615873" cy="307777"/>
+            <a:off x="1079910" y="5330222"/>
+            <a:ext cx="7515108" cy="307777"/>
           </a:xfrm>
           <a:prstGeom prst="rect">
             <a:avLst/>
@@ -3789,7 +5937,7 @@
           <a:p>
             <a:r>
               <a:rPr lang="en-US" sz="1400" dirty="0" smtClean="0"/>
-              <a:t>A user starts MyApp from a shortcut, that points to the Upgrader.exe.  </a:t>
+              <a:t>Upgrader copies them over before start MyApp.exe. </a:t>
             </a:r>
             <a:endParaRPr lang="en-US" sz="1400" dirty="0"/>
           </a:p>
@@ -3797,43 +5945,89 @@
       </p:sp>
       <p:sp>
         <p:nvSpPr>
-          <p:cNvPr id="71" name="TextBox 70"/>
-          <p:cNvSpPr txBox="1"/>
+          <p:cNvPr id="4" name="Striped Right Arrow 3"/>
+          <p:cNvSpPr/>
           <p:nvPr/>
         </p:nvSpPr>
         <p:spPr>
           <a:xfrm>
-            <a:off x="1071309" y="4794815"/>
-            <a:ext cx="7515108" cy="307777"/>
-          </a:xfrm>
-          <a:prstGeom prst="rect">
+            <a:off x="3783715" y="2601468"/>
+            <a:ext cx="1123880" cy="272376"/>
+          </a:xfrm>
+          <a:prstGeom prst="stripedRightArrow">
             <a:avLst/>
           </a:prstGeom>
-          <a:noFill/>
-        </p:spPr>
-        <p:txBody>
-          <a:bodyPr wrap="square" rtlCol="0">
-            <a:spAutoFit/>
-          </a:bodyPr>
-          <a:lstStyle/>
-          <a:p>
-            <a:r>
-              <a:rPr lang="en-US" sz="1400" dirty="0" smtClean="0"/>
-              <a:t>Upgrader start comparing dates of the local files with the files from the base directory.  </a:t>
-            </a:r>
-            <a:endParaRPr lang="en-US" sz="1400" dirty="0"/>
-          </a:p>
-        </p:txBody>
-      </p:sp>
-      <p:sp>
-        <p:nvSpPr>
-          <p:cNvPr id="72" name="Oval 71"/>
+        </p:spPr>
+        <p:style>
+          <a:lnRef idx="1">
+            <a:schemeClr val="accent6"/>
+          </a:lnRef>
+          <a:fillRef idx="2">
+            <a:schemeClr val="accent6"/>
+          </a:fillRef>
+          <a:effectRef idx="1">
+            <a:schemeClr val="accent6"/>
+          </a:effectRef>
+          <a:fontRef idx="minor">
+            <a:schemeClr val="dk1"/>
+          </a:fontRef>
+        </p:style>
+        <p:txBody>
+          <a:bodyPr rtlCol="0" anchor="ctr"/>
+          <a:lstStyle/>
+          <a:p>
+            <a:pPr algn="ctr"/>
+            <a:endParaRPr lang="en-US"/>
+          </a:p>
+        </p:txBody>
+      </p:sp>
+      <p:sp>
+        <p:nvSpPr>
+          <p:cNvPr id="26" name="Striped Right Arrow 25"/>
           <p:cNvSpPr/>
           <p:nvPr/>
         </p:nvSpPr>
         <p:spPr>
           <a:xfrm>
-            <a:off x="845249" y="4841405"/>
+            <a:off x="789514" y="2623733"/>
+            <a:ext cx="337529" cy="272376"/>
+          </a:xfrm>
+          <a:prstGeom prst="stripedRightArrow">
+            <a:avLst/>
+          </a:prstGeom>
+        </p:spPr>
+        <p:style>
+          <a:lnRef idx="1">
+            <a:schemeClr val="accent6"/>
+          </a:lnRef>
+          <a:fillRef idx="2">
+            <a:schemeClr val="accent6"/>
+          </a:fillRef>
+          <a:effectRef idx="1">
+            <a:schemeClr val="accent6"/>
+          </a:effectRef>
+          <a:fontRef idx="minor">
+            <a:schemeClr val="dk1"/>
+          </a:fontRef>
+        </p:style>
+        <p:txBody>
+          <a:bodyPr rtlCol="0" anchor="ctr"/>
+          <a:lstStyle/>
+          <a:p>
+            <a:pPr algn="ctr"/>
+            <a:endParaRPr lang="en-US"/>
+          </a:p>
+        </p:txBody>
+      </p:sp>
+      <p:sp>
+        <p:nvSpPr>
+          <p:cNvPr id="27" name="Oval 26"/>
+          <p:cNvSpPr/>
+          <p:nvPr/>
+        </p:nvSpPr>
+        <p:spPr>
+          <a:xfrm>
+            <a:off x="5868477" y="643246"/>
             <a:ext cx="226060" cy="194209"/>
           </a:xfrm>
           <a:prstGeom prst="ellipse">
@@ -3861,152 +6055,9 @@
             <a:pPr algn="ctr"/>
             <a:r>
               <a:rPr lang="en-US" sz="1200" dirty="0" smtClean="0"/>
-              <a:t>2</a:t>
+              <a:t>1</a:t>
             </a:r>
             <a:endParaRPr lang="en-US" sz="1200" dirty="0"/>
-          </a:p>
-        </p:txBody>
-      </p:sp>
-      <p:sp>
-        <p:nvSpPr>
-          <p:cNvPr id="73" name="Oval 72"/>
-          <p:cNvSpPr/>
-          <p:nvPr/>
-        </p:nvSpPr>
-        <p:spPr>
-          <a:xfrm>
-            <a:off x="845249" y="5152006"/>
-            <a:ext cx="226060" cy="194209"/>
-          </a:xfrm>
-          <a:prstGeom prst="ellipse">
-            <a:avLst/>
-          </a:prstGeom>
-        </p:spPr>
-        <p:style>
-          <a:lnRef idx="0">
-            <a:schemeClr val="accent6"/>
-          </a:lnRef>
-          <a:fillRef idx="3">
-            <a:schemeClr val="accent6"/>
-          </a:fillRef>
-          <a:effectRef idx="3">
-            <a:schemeClr val="accent6"/>
-          </a:effectRef>
-          <a:fontRef idx="minor">
-            <a:schemeClr val="lt1"/>
-          </a:fontRef>
-        </p:style>
-        <p:txBody>
-          <a:bodyPr rtlCol="0" anchor="ctr"/>
-          <a:lstStyle/>
-          <a:p>
-            <a:pPr algn="ctr"/>
-            <a:r>
-              <a:rPr lang="en-US" sz="1200" dirty="0" smtClean="0"/>
-              <a:t>3</a:t>
-            </a:r>
-            <a:endParaRPr lang="en-US" sz="1200" dirty="0"/>
-          </a:p>
-        </p:txBody>
-      </p:sp>
-      <p:sp>
-        <p:nvSpPr>
-          <p:cNvPr id="74" name="TextBox 73"/>
-          <p:cNvSpPr txBox="1"/>
-          <p:nvPr/>
-        </p:nvSpPr>
-        <p:spPr>
-          <a:xfrm>
-            <a:off x="1079910" y="5115609"/>
-            <a:ext cx="7515108" cy="307777"/>
-          </a:xfrm>
-          <a:prstGeom prst="rect">
-            <a:avLst/>
-          </a:prstGeom>
-          <a:noFill/>
-        </p:spPr>
-        <p:txBody>
-          <a:bodyPr wrap="square" rtlCol="0">
-            <a:spAutoFit/>
-          </a:bodyPr>
-          <a:lstStyle/>
-          <a:p>
-            <a:r>
-              <a:rPr lang="en-US" sz="1400" dirty="0" smtClean="0"/>
-              <a:t>If the base directory contains newer files, Upgrader copies them to the user local directory.  </a:t>
-            </a:r>
-            <a:endParaRPr lang="en-US" sz="1400" dirty="0"/>
-          </a:p>
-        </p:txBody>
-      </p:sp>
-      <p:sp>
-        <p:nvSpPr>
-          <p:cNvPr id="75" name="TextBox 74"/>
-          <p:cNvSpPr txBox="1"/>
-          <p:nvPr/>
-        </p:nvSpPr>
-        <p:spPr>
-          <a:xfrm>
-            <a:off x="1071309" y="5436403"/>
-            <a:ext cx="7515108" cy="307777"/>
-          </a:xfrm>
-          <a:prstGeom prst="rect">
-            <a:avLst/>
-          </a:prstGeom>
-          <a:noFill/>
-        </p:spPr>
-        <p:txBody>
-          <a:bodyPr wrap="square" rtlCol="0">
-            <a:spAutoFit/>
-          </a:bodyPr>
-          <a:lstStyle/>
-          <a:p>
-            <a:r>
-              <a:rPr lang="en-US" sz="1400" dirty="0" smtClean="0"/>
-              <a:t>After files have been copied, Upgrader starts MyApp.exe.</a:t>
-            </a:r>
-            <a:endParaRPr lang="en-US" sz="1400" dirty="0"/>
-          </a:p>
-        </p:txBody>
-      </p:sp>
-      <p:sp>
-        <p:nvSpPr>
-          <p:cNvPr id="76" name="Oval 75"/>
-          <p:cNvSpPr/>
-          <p:nvPr/>
-        </p:nvSpPr>
-        <p:spPr>
-          <a:xfrm>
-            <a:off x="845249" y="5462606"/>
-            <a:ext cx="226060" cy="194209"/>
-          </a:xfrm>
-          <a:prstGeom prst="ellipse">
-            <a:avLst/>
-          </a:prstGeom>
-        </p:spPr>
-        <p:style>
-          <a:lnRef idx="0">
-            <a:schemeClr val="accent6"/>
-          </a:lnRef>
-          <a:fillRef idx="3">
-            <a:schemeClr val="accent6"/>
-          </a:fillRef>
-          <a:effectRef idx="3">
-            <a:schemeClr val="accent6"/>
-          </a:effectRef>
-          <a:fontRef idx="minor">
-            <a:schemeClr val="lt1"/>
-          </a:fontRef>
-        </p:style>
-        <p:txBody>
-          <a:bodyPr rtlCol="0" anchor="ctr"/>
-          <a:lstStyle/>
-          <a:p>
-            <a:pPr algn="ctr"/>
-            <a:r>
-              <a:rPr lang="en-US" sz="1200" dirty="0"/>
-              <a:t>4</a:t>
-            </a:r>
           </a:p>
         </p:txBody>
       </p:sp>

--- a/Documents/Figs.pptx
+++ b/Documents/Figs.pptx
@@ -2980,7 +2980,7 @@
         </p:nvSpPr>
         <p:spPr>
           <a:xfrm flipH="1">
-            <a:off x="2031099" y="1576532"/>
+            <a:off x="2809022" y="853201"/>
             <a:ext cx="2172959" cy="2290047"/>
           </a:xfrm>
           <a:prstGeom prst="round1Rect">
@@ -3072,7 +3072,7 @@
         </p:nvSpPr>
         <p:spPr>
           <a:xfrm>
-            <a:off x="1870345" y="985813"/>
+            <a:off x="2648268" y="262482"/>
             <a:ext cx="2494465" cy="369332"/>
           </a:xfrm>
           <a:prstGeom prst="rect">
@@ -3102,7 +3102,7 @@
         </p:nvSpPr>
         <p:spPr>
           <a:xfrm>
-            <a:off x="1570614" y="1073374"/>
+            <a:off x="2348537" y="350043"/>
             <a:ext cx="226060" cy="194209"/>
           </a:xfrm>
           <a:prstGeom prst="ellipse">
@@ -3144,7 +3144,7 @@
         </p:nvSpPr>
         <p:spPr>
           <a:xfrm>
-            <a:off x="836648" y="4530804"/>
+            <a:off x="372625" y="3766529"/>
             <a:ext cx="226060" cy="194209"/>
           </a:xfrm>
           <a:prstGeom prst="ellipse">
@@ -3186,7 +3186,7 @@
         </p:nvSpPr>
         <p:spPr>
           <a:xfrm>
-            <a:off x="1077008" y="4474021"/>
+            <a:off x="612985" y="3709746"/>
             <a:ext cx="7068616" cy="307777"/>
           </a:xfrm>
           <a:prstGeom prst="rect">
@@ -3224,7 +3224,7 @@
         </p:nvSpPr>
         <p:spPr>
           <a:xfrm>
-            <a:off x="4260569" y="2093758"/>
+            <a:off x="5038492" y="1370427"/>
             <a:ext cx="226060" cy="194209"/>
           </a:xfrm>
           <a:prstGeom prst="ellipse">
@@ -3266,7 +3266,7 @@
         </p:nvSpPr>
         <p:spPr>
           <a:xfrm>
-            <a:off x="836648" y="4908467"/>
+            <a:off x="372625" y="4144192"/>
             <a:ext cx="226060" cy="194209"/>
           </a:xfrm>
           <a:prstGeom prst="ellipse">
@@ -3308,7 +3308,7 @@
         </p:nvSpPr>
         <p:spPr>
           <a:xfrm>
-            <a:off x="1071309" y="4866974"/>
+            <a:off x="607286" y="4102699"/>
             <a:ext cx="7515108" cy="307777"/>
           </a:xfrm>
           <a:prstGeom prst="rect">
@@ -3338,7 +3338,7 @@
         </p:nvSpPr>
         <p:spPr>
           <a:xfrm>
-            <a:off x="1077008" y="5259926"/>
+            <a:off x="612985" y="4495651"/>
             <a:ext cx="7515108" cy="307777"/>
           </a:xfrm>
           <a:prstGeom prst="rect">
@@ -3368,7 +3368,7 @@
         </p:nvSpPr>
         <p:spPr>
           <a:xfrm>
-            <a:off x="836648" y="5286129"/>
+            <a:off x="372625" y="4521854"/>
             <a:ext cx="226060" cy="194209"/>
           </a:xfrm>
           <a:prstGeom prst="ellipse">
@@ -3410,7 +3410,7 @@
         </p:nvSpPr>
         <p:spPr>
           <a:xfrm>
-            <a:off x="1570614" y="1680816"/>
+            <a:off x="2348537" y="957485"/>
             <a:ext cx="226060" cy="194209"/>
           </a:xfrm>
           <a:prstGeom prst="ellipse">
@@ -3482,7 +3482,7 @@
         </p:nvSpPr>
         <p:spPr>
           <a:xfrm flipH="1">
-            <a:off x="1232061" y="1568439"/>
+            <a:off x="686150" y="1329374"/>
             <a:ext cx="2172959" cy="2290047"/>
           </a:xfrm>
           <a:prstGeom prst="round1Rect">
@@ -3574,7 +3574,7 @@
         </p:nvSpPr>
         <p:spPr>
           <a:xfrm>
-            <a:off x="1071309" y="977721"/>
+            <a:off x="525398" y="738656"/>
             <a:ext cx="2494465" cy="369332"/>
           </a:xfrm>
           <a:prstGeom prst="rect">
@@ -3604,7 +3604,7 @@
         </p:nvSpPr>
         <p:spPr>
           <a:xfrm>
-            <a:off x="836648" y="4530804"/>
+            <a:off x="290737" y="4291739"/>
             <a:ext cx="226060" cy="194209"/>
           </a:xfrm>
           <a:prstGeom prst="ellipse">
@@ -3646,7 +3646,7 @@
         </p:nvSpPr>
         <p:spPr>
           <a:xfrm>
-            <a:off x="1077007" y="4474021"/>
+            <a:off x="525398" y="4246460"/>
             <a:ext cx="9466585" cy="307777"/>
           </a:xfrm>
           <a:prstGeom prst="rect">
@@ -3676,7 +3676,7 @@
         </p:nvSpPr>
         <p:spPr>
           <a:xfrm>
-            <a:off x="836648" y="4908467"/>
+            <a:off x="290737" y="4669402"/>
             <a:ext cx="226060" cy="194209"/>
           </a:xfrm>
           <a:prstGeom prst="ellipse">
@@ -3718,7 +3718,7 @@
         </p:nvSpPr>
         <p:spPr>
           <a:xfrm>
-            <a:off x="1071309" y="4866974"/>
+            <a:off x="525398" y="4627909"/>
             <a:ext cx="7515108" cy="307777"/>
           </a:xfrm>
           <a:prstGeom prst="rect">
@@ -3756,7 +3756,7 @@
         </p:nvSpPr>
         <p:spPr>
           <a:xfrm flipH="1">
-            <a:off x="5459712" y="1568439"/>
+            <a:off x="4913801" y="1329374"/>
             <a:ext cx="2172959" cy="2290047"/>
           </a:xfrm>
           <a:prstGeom prst="round1Rect">
@@ -3830,7 +3830,7 @@
         </p:nvSpPr>
         <p:spPr>
           <a:xfrm>
-            <a:off x="5102785" y="1124528"/>
+            <a:off x="4556874" y="885463"/>
             <a:ext cx="2551852" cy="369332"/>
           </a:xfrm>
           <a:prstGeom prst="rect">
@@ -3860,7 +3860,7 @@
         </p:nvGrpSpPr>
         <p:grpSpPr>
           <a:xfrm>
-            <a:off x="7157883" y="429966"/>
+            <a:off x="6611972" y="190901"/>
             <a:ext cx="347297" cy="290386"/>
             <a:chOff x="4022402" y="340793"/>
             <a:chExt cx="550326" cy="489104"/>
@@ -3955,7 +3955,7 @@
         </p:nvCxnSpPr>
         <p:spPr>
           <a:xfrm flipV="1">
-            <a:off x="3584020" y="2027501"/>
+            <a:off x="3038109" y="1788436"/>
             <a:ext cx="1696691" cy="11626"/>
           </a:xfrm>
           <a:prstGeom prst="straightConnector1">
@@ -3988,7 +3988,7 @@
         </p:nvSpPr>
         <p:spPr>
           <a:xfrm flipH="1">
-            <a:off x="7399326" y="781019"/>
+            <a:off x="6853415" y="541954"/>
             <a:ext cx="630229" cy="1252295"/>
           </a:xfrm>
           <a:custGeom>
@@ -4088,7 +4088,7 @@
         </p:nvSpPr>
         <p:spPr>
           <a:xfrm>
-            <a:off x="4263845" y="1748116"/>
+            <a:off x="3717934" y="1509051"/>
             <a:ext cx="226060" cy="194209"/>
           </a:xfrm>
           <a:prstGeom prst="ellipse">
@@ -4130,7 +4130,7 @@
         </p:nvSpPr>
         <p:spPr>
           <a:xfrm>
-            <a:off x="7803495" y="526143"/>
+            <a:off x="7257584" y="287078"/>
             <a:ext cx="226060" cy="194209"/>
           </a:xfrm>
           <a:prstGeom prst="ellipse">
@@ -4202,7 +4202,7 @@
         </p:nvSpPr>
         <p:spPr>
           <a:xfrm flipH="1">
-            <a:off x="1232061" y="1568439"/>
+            <a:off x="604264" y="1281836"/>
             <a:ext cx="2172959" cy="2290047"/>
           </a:xfrm>
           <a:prstGeom prst="round1Rect">
@@ -4294,7 +4294,7 @@
         </p:nvSpPr>
         <p:spPr>
           <a:xfrm>
-            <a:off x="1071309" y="977721"/>
+            <a:off x="443512" y="691118"/>
             <a:ext cx="2494465" cy="369332"/>
           </a:xfrm>
           <a:prstGeom prst="rect">
@@ -4324,7 +4324,7 @@
         </p:nvSpPr>
         <p:spPr>
           <a:xfrm flipH="1">
-            <a:off x="5459712" y="1568439"/>
+            <a:off x="4831915" y="1281836"/>
             <a:ext cx="2172959" cy="2290047"/>
           </a:xfrm>
           <a:prstGeom prst="round1Rect">
@@ -4430,7 +4430,7 @@
         </p:nvSpPr>
         <p:spPr>
           <a:xfrm>
-            <a:off x="5477703" y="1130199"/>
+            <a:off x="4849906" y="843596"/>
             <a:ext cx="2551852" cy="369332"/>
           </a:xfrm>
           <a:prstGeom prst="rect">
@@ -4460,7 +4460,7 @@
         </p:nvGrpSpPr>
         <p:grpSpPr>
           <a:xfrm>
-            <a:off x="5626608" y="422157"/>
+            <a:off x="4998811" y="135554"/>
             <a:ext cx="347297" cy="290386"/>
             <a:chOff x="4022402" y="340793"/>
             <a:chExt cx="550326" cy="489104"/>
@@ -4555,7 +4555,7 @@
         </p:nvCxnSpPr>
         <p:spPr>
           <a:xfrm flipV="1">
-            <a:off x="3584020" y="2960562"/>
+            <a:off x="2956223" y="2673959"/>
             <a:ext cx="1696691" cy="11626"/>
           </a:xfrm>
           <a:prstGeom prst="straightConnector1">
@@ -4588,7 +4588,7 @@
         </p:nvSpPr>
         <p:spPr>
           <a:xfrm>
-            <a:off x="4950431" y="733127"/>
+            <a:off x="4322634" y="446524"/>
             <a:ext cx="660559" cy="1252295"/>
           </a:xfrm>
           <a:custGeom>
@@ -4688,7 +4688,7 @@
         </p:nvSpPr>
         <p:spPr>
           <a:xfrm>
-            <a:off x="4999728" y="497431"/>
+            <a:off x="4371931" y="210828"/>
             <a:ext cx="226060" cy="194209"/>
           </a:xfrm>
           <a:prstGeom prst="ellipse">
@@ -4730,7 +4730,7 @@
         </p:nvSpPr>
         <p:spPr>
           <a:xfrm>
-            <a:off x="4285117" y="2519253"/>
+            <a:off x="3657320" y="2232650"/>
             <a:ext cx="226060" cy="194209"/>
           </a:xfrm>
           <a:prstGeom prst="ellipse">
@@ -4772,7 +4772,7 @@
         </p:nvSpPr>
         <p:spPr>
           <a:xfrm flipH="1">
-            <a:off x="6939485" y="2055212"/>
+            <a:off x="6311688" y="1768609"/>
             <a:ext cx="1202467" cy="559261"/>
           </a:xfrm>
           <a:custGeom>
@@ -4872,7 +4872,7 @@
         </p:nvSpPr>
         <p:spPr>
           <a:xfrm>
-            <a:off x="8355146" y="2422148"/>
+            <a:off x="7727349" y="2135545"/>
             <a:ext cx="226060" cy="194209"/>
           </a:xfrm>
           <a:prstGeom prst="ellipse">
@@ -4914,7 +4914,7 @@
         </p:nvSpPr>
         <p:spPr>
           <a:xfrm>
-            <a:off x="836648" y="4530804"/>
+            <a:off x="208851" y="4244201"/>
             <a:ext cx="226060" cy="194209"/>
           </a:xfrm>
           <a:prstGeom prst="ellipse">
@@ -4956,7 +4956,7 @@
         </p:nvSpPr>
         <p:spPr>
           <a:xfrm>
-            <a:off x="1077008" y="4474021"/>
+            <a:off x="449211" y="4187418"/>
             <a:ext cx="7068616" cy="307777"/>
           </a:xfrm>
           <a:prstGeom prst="rect">
@@ -4994,7 +4994,7 @@
         </p:nvSpPr>
         <p:spPr>
           <a:xfrm>
-            <a:off x="836648" y="4908467"/>
+            <a:off x="208851" y="4621864"/>
             <a:ext cx="226060" cy="194209"/>
           </a:xfrm>
           <a:prstGeom prst="ellipse">
@@ -5036,7 +5036,7 @@
         </p:nvSpPr>
         <p:spPr>
           <a:xfrm>
-            <a:off x="1071309" y="4866974"/>
+            <a:off x="443512" y="4580371"/>
             <a:ext cx="7515108" cy="307777"/>
           </a:xfrm>
           <a:prstGeom prst="rect">
@@ -5070,7 +5070,7 @@
         </p:nvSpPr>
         <p:spPr>
           <a:xfrm>
-            <a:off x="1077008" y="5259926"/>
+            <a:off x="449211" y="4973323"/>
             <a:ext cx="7515108" cy="307777"/>
           </a:xfrm>
           <a:prstGeom prst="rect">
@@ -5100,7 +5100,7 @@
         </p:nvSpPr>
         <p:spPr>
           <a:xfrm>
-            <a:off x="836648" y="5286129"/>
+            <a:off x="208851" y="4999526"/>
             <a:ext cx="226060" cy="194209"/>
           </a:xfrm>
           <a:prstGeom prst="ellipse">
@@ -5172,7 +5172,7 @@
         </p:nvSpPr>
         <p:spPr>
           <a:xfrm flipH="1">
-            <a:off x="1234825" y="1643675"/>
+            <a:off x="757154" y="1234243"/>
             <a:ext cx="2172959" cy="2290047"/>
           </a:xfrm>
           <a:prstGeom prst="round1Rect">
@@ -5268,7 +5268,7 @@
         </p:nvSpPr>
         <p:spPr>
           <a:xfrm>
-            <a:off x="688908" y="1043872"/>
+            <a:off x="211237" y="634440"/>
             <a:ext cx="2494465" cy="369332"/>
           </a:xfrm>
           <a:prstGeom prst="rect">
@@ -5298,7 +5298,7 @@
         </p:nvSpPr>
         <p:spPr>
           <a:xfrm flipH="1">
-            <a:off x="5233135" y="1643675"/>
+            <a:off x="4755464" y="1234243"/>
             <a:ext cx="2172959" cy="2290047"/>
           </a:xfrm>
           <a:prstGeom prst="round1Rect">
@@ -5403,7 +5403,7 @@
         </p:nvSpPr>
         <p:spPr>
           <a:xfrm>
-            <a:off x="5102785" y="1124528"/>
+            <a:off x="4625114" y="715096"/>
             <a:ext cx="2551852" cy="369332"/>
           </a:xfrm>
           <a:prstGeom prst="rect">
@@ -5433,7 +5433,7 @@
         </p:nvGrpSpPr>
         <p:grpSpPr>
           <a:xfrm>
-            <a:off x="5306639" y="527548"/>
+            <a:off x="4828968" y="118116"/>
             <a:ext cx="347297" cy="290386"/>
             <a:chOff x="4022402" y="340793"/>
             <a:chExt cx="550326" cy="489104"/>
@@ -5530,7 +5530,7 @@
         </p:nvSpPr>
         <p:spPr>
           <a:xfrm>
-            <a:off x="4582055" y="886204"/>
+            <a:off x="4104384" y="476772"/>
             <a:ext cx="811832" cy="990359"/>
           </a:xfrm>
           <a:custGeom>
@@ -5629,7 +5629,7 @@
         </p:nvSpPr>
         <p:spPr>
           <a:xfrm>
-            <a:off x="4119595" y="2318217"/>
+            <a:off x="3641924" y="1908785"/>
             <a:ext cx="226060" cy="194209"/>
           </a:xfrm>
           <a:prstGeom prst="ellipse">
@@ -5671,7 +5671,7 @@
         </p:nvSpPr>
         <p:spPr>
           <a:xfrm>
-            <a:off x="789514" y="2318217"/>
+            <a:off x="311843" y="1908785"/>
             <a:ext cx="226060" cy="194209"/>
           </a:xfrm>
           <a:prstGeom prst="ellipse">
@@ -5713,7 +5713,7 @@
         </p:nvSpPr>
         <p:spPr>
           <a:xfrm>
-            <a:off x="850948" y="4530804"/>
+            <a:off x="373277" y="4121372"/>
             <a:ext cx="226060" cy="194209"/>
           </a:xfrm>
           <a:prstGeom prst="ellipse">
@@ -5755,7 +5755,7 @@
         </p:nvSpPr>
         <p:spPr>
           <a:xfrm>
-            <a:off x="1077008" y="4474021"/>
+            <a:off x="599337" y="4064589"/>
             <a:ext cx="6863343" cy="738664"/>
           </a:xfrm>
           <a:prstGeom prst="rect">
@@ -5803,7 +5803,7 @@
         </p:nvSpPr>
         <p:spPr>
           <a:xfrm>
-            <a:off x="1071309" y="4953442"/>
+            <a:off x="593638" y="4544010"/>
             <a:ext cx="7515108" cy="307777"/>
           </a:xfrm>
           <a:prstGeom prst="rect">
@@ -5837,7 +5837,7 @@
         </p:nvSpPr>
         <p:spPr>
           <a:xfrm>
-            <a:off x="845249" y="5000032"/>
+            <a:off x="367578" y="4590600"/>
             <a:ext cx="226060" cy="194209"/>
           </a:xfrm>
           <a:prstGeom prst="ellipse">
@@ -5879,7 +5879,7 @@
         </p:nvSpPr>
         <p:spPr>
           <a:xfrm>
-            <a:off x="845249" y="5366619"/>
+            <a:off x="367578" y="4957187"/>
             <a:ext cx="226060" cy="194209"/>
           </a:xfrm>
           <a:prstGeom prst="ellipse">
@@ -5921,7 +5921,7 @@
         </p:nvSpPr>
         <p:spPr>
           <a:xfrm>
-            <a:off x="1079910" y="5330222"/>
+            <a:off x="602239" y="4920790"/>
             <a:ext cx="7515108" cy="307777"/>
           </a:xfrm>
           <a:prstGeom prst="rect">
@@ -5951,7 +5951,7 @@
         </p:nvSpPr>
         <p:spPr>
           <a:xfrm>
-            <a:off x="3783715" y="2601468"/>
+            <a:off x="3306044" y="2192036"/>
             <a:ext cx="1123880" cy="272376"/>
           </a:xfrm>
           <a:prstGeom prst="stripedRightArrow">
@@ -5989,7 +5989,7 @@
         </p:nvSpPr>
         <p:spPr>
           <a:xfrm>
-            <a:off x="789514" y="2623733"/>
+            <a:off x="311843" y="2214301"/>
             <a:ext cx="337529" cy="272376"/>
           </a:xfrm>
           <a:prstGeom prst="stripedRightArrow">
@@ -6027,7 +6027,7 @@
         </p:nvSpPr>
         <p:spPr>
           <a:xfrm>
-            <a:off x="5868477" y="643246"/>
+            <a:off x="5390806" y="233814"/>
             <a:ext cx="226060" cy="194209"/>
           </a:xfrm>
           <a:prstGeom prst="ellipse">
